--- a/중간발표/다은발표준비.pptx
+++ b/중간발표/다은발표준비.pptx
@@ -8,9 +8,23 @@
     <p:sldId id="256" r:id="rId2"/>
     <p:sldId id="257" r:id="rId3"/>
     <p:sldId id="258" r:id="rId4"/>
-    <p:sldId id="259" r:id="rId5"/>
-    <p:sldId id="260" r:id="rId6"/>
-    <p:sldId id="261" r:id="rId7"/>
+    <p:sldId id="263" r:id="rId5"/>
+    <p:sldId id="264" r:id="rId6"/>
+    <p:sldId id="265" r:id="rId7"/>
+    <p:sldId id="266" r:id="rId8"/>
+    <p:sldId id="262" r:id="rId9"/>
+    <p:sldId id="267" r:id="rId10"/>
+    <p:sldId id="268" r:id="rId11"/>
+    <p:sldId id="271" r:id="rId12"/>
+    <p:sldId id="269" r:id="rId13"/>
+    <p:sldId id="270" r:id="rId14"/>
+    <p:sldId id="272" r:id="rId15"/>
+    <p:sldId id="273" r:id="rId16"/>
+    <p:sldId id="274" r:id="rId17"/>
+    <p:sldId id="275" r:id="rId18"/>
+    <p:sldId id="259" r:id="rId19"/>
+    <p:sldId id="260" r:id="rId20"/>
+    <p:sldId id="261" r:id="rId21"/>
   </p:sldIdLst>
   <p:sldSz cx="12192000" cy="6858000"/>
   <p:notesSz cx="6858000" cy="9144000"/>
@@ -109,6 +123,11 @@
       </a:defRPr>
     </a:lvl9pPr>
   </p:defaultTextStyle>
+  <p:extLst>
+    <p:ext uri="{EFAFB233-063F-42B5-8137-9DF3F51BA10A}">
+      <p15:sldGuideLst xmlns:p15="http://schemas.microsoft.com/office/powerpoint/2012/main"/>
+    </p:ext>
+  </p:extLst>
 </p:presentation>
 </file>
 
@@ -259,7 +278,7 @@
           <a:p>
             <a:fld id="{56F16A07-323E-47B4-9B5B-759150A23435}" type="datetimeFigureOut">
               <a:rPr lang="ko-KR" altLang="en-US" smtClean="0"/>
-              <a:t>2021-05-27</a:t>
+              <a:t>2021-05-28</a:t>
             </a:fld>
             <a:endParaRPr lang="ko-KR" altLang="en-US"/>
           </a:p>
@@ -457,7 +476,7 @@
           <a:p>
             <a:fld id="{56F16A07-323E-47B4-9B5B-759150A23435}" type="datetimeFigureOut">
               <a:rPr lang="ko-KR" altLang="en-US" smtClean="0"/>
-              <a:t>2021-05-27</a:t>
+              <a:t>2021-05-28</a:t>
             </a:fld>
             <a:endParaRPr lang="ko-KR" altLang="en-US"/>
           </a:p>
@@ -665,7 +684,7 @@
           <a:p>
             <a:fld id="{56F16A07-323E-47B4-9B5B-759150A23435}" type="datetimeFigureOut">
               <a:rPr lang="ko-KR" altLang="en-US" smtClean="0"/>
-              <a:t>2021-05-27</a:t>
+              <a:t>2021-05-28</a:t>
             </a:fld>
             <a:endParaRPr lang="ko-KR" altLang="en-US"/>
           </a:p>
@@ -863,7 +882,7 @@
           <a:p>
             <a:fld id="{56F16A07-323E-47B4-9B5B-759150A23435}" type="datetimeFigureOut">
               <a:rPr lang="ko-KR" altLang="en-US" smtClean="0"/>
-              <a:t>2021-05-27</a:t>
+              <a:t>2021-05-28</a:t>
             </a:fld>
             <a:endParaRPr lang="ko-KR" altLang="en-US"/>
           </a:p>
@@ -1138,7 +1157,7 @@
           <a:p>
             <a:fld id="{56F16A07-323E-47B4-9B5B-759150A23435}" type="datetimeFigureOut">
               <a:rPr lang="ko-KR" altLang="en-US" smtClean="0"/>
-              <a:t>2021-05-27</a:t>
+              <a:t>2021-05-28</a:t>
             </a:fld>
             <a:endParaRPr lang="ko-KR" altLang="en-US"/>
           </a:p>
@@ -1403,7 +1422,7 @@
           <a:p>
             <a:fld id="{56F16A07-323E-47B4-9B5B-759150A23435}" type="datetimeFigureOut">
               <a:rPr lang="ko-KR" altLang="en-US" smtClean="0"/>
-              <a:t>2021-05-27</a:t>
+              <a:t>2021-05-28</a:t>
             </a:fld>
             <a:endParaRPr lang="ko-KR" altLang="en-US"/>
           </a:p>
@@ -1815,7 +1834,7 @@
           <a:p>
             <a:fld id="{56F16A07-323E-47B4-9B5B-759150A23435}" type="datetimeFigureOut">
               <a:rPr lang="ko-KR" altLang="en-US" smtClean="0"/>
-              <a:t>2021-05-27</a:t>
+              <a:t>2021-05-28</a:t>
             </a:fld>
             <a:endParaRPr lang="ko-KR" altLang="en-US"/>
           </a:p>
@@ -1956,7 +1975,7 @@
           <a:p>
             <a:fld id="{56F16A07-323E-47B4-9B5B-759150A23435}" type="datetimeFigureOut">
               <a:rPr lang="ko-KR" altLang="en-US" smtClean="0"/>
-              <a:t>2021-05-27</a:t>
+              <a:t>2021-05-28</a:t>
             </a:fld>
             <a:endParaRPr lang="ko-KR" altLang="en-US"/>
           </a:p>
@@ -2069,7 +2088,7 @@
           <a:p>
             <a:fld id="{56F16A07-323E-47B4-9B5B-759150A23435}" type="datetimeFigureOut">
               <a:rPr lang="ko-KR" altLang="en-US" smtClean="0"/>
-              <a:t>2021-05-27</a:t>
+              <a:t>2021-05-28</a:t>
             </a:fld>
             <a:endParaRPr lang="ko-KR" altLang="en-US"/>
           </a:p>
@@ -2380,7 +2399,7 @@
           <a:p>
             <a:fld id="{56F16A07-323E-47B4-9B5B-759150A23435}" type="datetimeFigureOut">
               <a:rPr lang="ko-KR" altLang="en-US" smtClean="0"/>
-              <a:t>2021-05-27</a:t>
+              <a:t>2021-05-28</a:t>
             </a:fld>
             <a:endParaRPr lang="ko-KR" altLang="en-US"/>
           </a:p>
@@ -2668,7 +2687,7 @@
           <a:p>
             <a:fld id="{56F16A07-323E-47B4-9B5B-759150A23435}" type="datetimeFigureOut">
               <a:rPr lang="ko-KR" altLang="en-US" smtClean="0"/>
-              <a:t>2021-05-27</a:t>
+              <a:t>2021-05-28</a:t>
             </a:fld>
             <a:endParaRPr lang="ko-KR" altLang="en-US"/>
           </a:p>
@@ -2909,7 +2928,7 @@
           <a:p>
             <a:fld id="{56F16A07-323E-47B4-9B5B-759150A23435}" type="datetimeFigureOut">
               <a:rPr lang="ko-KR" altLang="en-US" smtClean="0"/>
-              <a:t>2021-05-27</a:t>
+              <a:t>2021-05-28</a:t>
             </a:fld>
             <a:endParaRPr lang="ko-KR" altLang="en-US"/>
           </a:p>
@@ -3392,6 +3411,1555 @@
 </p:sld>
 </file>
 
+<file path=ppt/slides/slide10.xml><?xml version="1.0" encoding="utf-8"?>
+<p:sld xmlns:a="http://schemas.openxmlformats.org/drawingml/2006/main" xmlns:r="http://schemas.openxmlformats.org/officeDocument/2006/relationships" xmlns:p="http://schemas.openxmlformats.org/presentationml/2006/main">
+  <p:cSld>
+    <p:spTree>
+      <p:nvGrpSpPr>
+        <p:cNvPr id="1" name=""/>
+        <p:cNvGrpSpPr/>
+        <p:nvPr/>
+      </p:nvGrpSpPr>
+      <p:grpSpPr>
+        <a:xfrm>
+          <a:off x="0" y="0"/>
+          <a:ext cx="0" cy="0"/>
+          <a:chOff x="0" y="0"/>
+          <a:chExt cx="0" cy="0"/>
+        </a:xfrm>
+      </p:grpSpPr>
+      <p:sp>
+        <p:nvSpPr>
+          <p:cNvPr id="2" name="제목 1">
+            <a:extLst>
+              <a:ext uri="{FF2B5EF4-FFF2-40B4-BE49-F238E27FC236}">
+                <a16:creationId xmlns:a16="http://schemas.microsoft.com/office/drawing/2014/main" id="{715DD75F-D2BF-46A8-9015-254EE085CC6E}"/>
+              </a:ext>
+            </a:extLst>
+          </p:cNvPr>
+          <p:cNvSpPr>
+            <a:spLocks noGrp="1"/>
+          </p:cNvSpPr>
+          <p:nvPr>
+            <p:ph type="title"/>
+          </p:nvPr>
+        </p:nvSpPr>
+        <p:spPr/>
+        <p:txBody>
+          <a:bodyPr/>
+          <a:lstStyle/>
+          <a:p>
+            <a:r>
+              <a:rPr lang="ko-KR" altLang="en-US" dirty="0"/>
+              <a:t>요구사항명세서</a:t>
+            </a:r>
+          </a:p>
+        </p:txBody>
+      </p:sp>
+      <p:sp>
+        <p:nvSpPr>
+          <p:cNvPr id="3" name="내용 개체 틀 2">
+            <a:extLst>
+              <a:ext uri="{FF2B5EF4-FFF2-40B4-BE49-F238E27FC236}">
+                <a16:creationId xmlns:a16="http://schemas.microsoft.com/office/drawing/2014/main" id="{BC3F9F15-4884-484C-89FF-C712EB05D083}"/>
+              </a:ext>
+            </a:extLst>
+          </p:cNvPr>
+          <p:cNvSpPr>
+            <a:spLocks noGrp="1"/>
+          </p:cNvSpPr>
+          <p:nvPr>
+            <p:ph idx="1"/>
+          </p:nvPr>
+        </p:nvSpPr>
+        <p:spPr>
+          <a:xfrm>
+            <a:off x="913614" y="1778491"/>
+            <a:ext cx="10515600" cy="4351338"/>
+          </a:xfrm>
+        </p:spPr>
+        <p:txBody>
+          <a:bodyPr/>
+          <a:lstStyle/>
+          <a:p>
+            <a:pPr marL="0" indent="0">
+              <a:buNone/>
+            </a:pPr>
+            <a:r>
+              <a:rPr lang="ko-KR" altLang="en-US" dirty="0"/>
+              <a:t> 사용자는 원하는 영화를 지정한 후 지역</a:t>
+            </a:r>
+            <a:r>
+              <a:rPr lang="en-US" altLang="ko-KR" dirty="0"/>
+              <a:t>, </a:t>
+            </a:r>
+            <a:r>
+              <a:rPr lang="ko-KR" altLang="en-US" dirty="0"/>
+              <a:t>영화관</a:t>
+            </a:r>
+            <a:r>
+              <a:rPr lang="en-US" altLang="ko-KR" dirty="0"/>
+              <a:t>, </a:t>
+            </a:r>
+            <a:r>
+              <a:rPr lang="ko-KR" altLang="en-US" dirty="0"/>
+              <a:t>상영관</a:t>
+            </a:r>
+            <a:r>
+              <a:rPr lang="en-US" altLang="ko-KR" dirty="0"/>
+              <a:t>, </a:t>
+            </a:r>
+            <a:r>
+              <a:rPr lang="ko-KR" altLang="en-US" dirty="0"/>
+              <a:t>상영일자와 상영시간을 선택한다</a:t>
+            </a:r>
+            <a:r>
+              <a:rPr lang="en-US" altLang="ko-KR" dirty="0"/>
+              <a:t>.(</a:t>
+            </a:r>
+            <a:r>
+              <a:rPr lang="ko-KR" altLang="en-US" dirty="0" err="1"/>
+              <a:t>영화별</a:t>
+            </a:r>
+            <a:r>
+              <a:rPr lang="ko-KR" altLang="en-US" dirty="0"/>
+              <a:t> 예매 방식</a:t>
+            </a:r>
+            <a:r>
+              <a:rPr lang="en-US" altLang="ko-KR" dirty="0"/>
+              <a:t>)</a:t>
+            </a:r>
+          </a:p>
+          <a:p>
+            <a:pPr marL="0" indent="0">
+              <a:buNone/>
+            </a:pPr>
+            <a:r>
+              <a:rPr lang="en-US" altLang="ko-KR" dirty="0"/>
+              <a:t>    </a:t>
+            </a:r>
+            <a:r>
+              <a:rPr lang="ko-KR" altLang="en-US" dirty="0"/>
+              <a:t>혹은 원하는 지역</a:t>
+            </a:r>
+            <a:r>
+              <a:rPr lang="en-US" altLang="ko-KR" dirty="0"/>
+              <a:t>, </a:t>
+            </a:r>
+            <a:r>
+              <a:rPr lang="ko-KR" altLang="en-US" dirty="0"/>
+              <a:t>영화관을 지정하고 상영관</a:t>
+            </a:r>
+            <a:r>
+              <a:rPr lang="en-US" altLang="ko-KR" dirty="0"/>
+              <a:t>, </a:t>
+            </a:r>
+            <a:r>
+              <a:rPr lang="ko-KR" altLang="en-US" dirty="0"/>
+              <a:t>상영일자와 상영시간에 대한 정보를 확인한 후  영화를 선택한다</a:t>
+            </a:r>
+            <a:r>
+              <a:rPr lang="en-US" altLang="ko-KR" dirty="0"/>
+              <a:t>.(</a:t>
+            </a:r>
+            <a:r>
+              <a:rPr lang="ko-KR" altLang="en-US" dirty="0"/>
+              <a:t>지역별 예매 방식</a:t>
+            </a:r>
+            <a:r>
+              <a:rPr lang="en-US" altLang="ko-KR" dirty="0"/>
+              <a:t>)</a:t>
+            </a:r>
+            <a:endParaRPr lang="ko-KR" altLang="en-US" dirty="0"/>
+          </a:p>
+        </p:txBody>
+      </p:sp>
+      <p:pic>
+        <p:nvPicPr>
+          <p:cNvPr id="8" name="그림 7">
+            <a:extLst>
+              <a:ext uri="{FF2B5EF4-FFF2-40B4-BE49-F238E27FC236}">
+                <a16:creationId xmlns:a16="http://schemas.microsoft.com/office/drawing/2014/main" id="{C5B1972E-AD04-446F-8792-BBDFB58B80F6}"/>
+              </a:ext>
+            </a:extLst>
+          </p:cNvPr>
+          <p:cNvPicPr>
+            <a:picLocks noChangeAspect="1"/>
+          </p:cNvPicPr>
+          <p:nvPr/>
+        </p:nvPicPr>
+        <p:blipFill>
+          <a:blip r:embed="rId2">
+            <a:extLst>
+              <a:ext uri="{28A0092B-C50C-407E-A947-70E740481C1C}">
+                <a14:useLocalDpi xmlns:a14="http://schemas.microsoft.com/office/drawing/2010/main" val="0"/>
+              </a:ext>
+            </a:extLst>
+          </a:blip>
+          <a:stretch>
+            <a:fillRect/>
+          </a:stretch>
+        </p:blipFill>
+        <p:spPr>
+          <a:xfrm>
+            <a:off x="5036122" y="3806825"/>
+            <a:ext cx="3533775" cy="2686050"/>
+          </a:xfrm>
+          <a:prstGeom prst="rect">
+            <a:avLst/>
+          </a:prstGeom>
+        </p:spPr>
+      </p:pic>
+    </p:spTree>
+    <p:extLst>
+      <p:ext uri="{BB962C8B-B14F-4D97-AF65-F5344CB8AC3E}">
+        <p14:creationId xmlns:p14="http://schemas.microsoft.com/office/powerpoint/2010/main" val="1191331361"/>
+      </p:ext>
+    </p:extLst>
+  </p:cSld>
+  <p:clrMapOvr>
+    <a:masterClrMapping/>
+  </p:clrMapOvr>
+</p:sld>
+</file>
+
+<file path=ppt/slides/slide11.xml><?xml version="1.0" encoding="utf-8"?>
+<p:sld xmlns:a="http://schemas.openxmlformats.org/drawingml/2006/main" xmlns:r="http://schemas.openxmlformats.org/officeDocument/2006/relationships" xmlns:p="http://schemas.openxmlformats.org/presentationml/2006/main">
+  <p:cSld>
+    <p:spTree>
+      <p:nvGrpSpPr>
+        <p:cNvPr id="1" name=""/>
+        <p:cNvGrpSpPr/>
+        <p:nvPr/>
+      </p:nvGrpSpPr>
+      <p:grpSpPr>
+        <a:xfrm>
+          <a:off x="0" y="0"/>
+          <a:ext cx="0" cy="0"/>
+          <a:chOff x="0" y="0"/>
+          <a:chExt cx="0" cy="0"/>
+        </a:xfrm>
+      </p:grpSpPr>
+      <p:sp>
+        <p:nvSpPr>
+          <p:cNvPr id="2" name="제목 1">
+            <a:extLst>
+              <a:ext uri="{FF2B5EF4-FFF2-40B4-BE49-F238E27FC236}">
+                <a16:creationId xmlns:a16="http://schemas.microsoft.com/office/drawing/2014/main" id="{715DD75F-D2BF-46A8-9015-254EE085CC6E}"/>
+              </a:ext>
+            </a:extLst>
+          </p:cNvPr>
+          <p:cNvSpPr>
+            <a:spLocks noGrp="1"/>
+          </p:cNvSpPr>
+          <p:nvPr>
+            <p:ph type="title"/>
+          </p:nvPr>
+        </p:nvSpPr>
+        <p:spPr/>
+        <p:txBody>
+          <a:bodyPr/>
+          <a:lstStyle/>
+          <a:p>
+            <a:r>
+              <a:rPr lang="ko-KR" altLang="en-US" dirty="0"/>
+              <a:t>요구사항명세서</a:t>
+            </a:r>
+          </a:p>
+        </p:txBody>
+      </p:sp>
+      <p:sp>
+        <p:nvSpPr>
+          <p:cNvPr id="3" name="내용 개체 틀 2">
+            <a:extLst>
+              <a:ext uri="{FF2B5EF4-FFF2-40B4-BE49-F238E27FC236}">
+                <a16:creationId xmlns:a16="http://schemas.microsoft.com/office/drawing/2014/main" id="{BC3F9F15-4884-484C-89FF-C712EB05D083}"/>
+              </a:ext>
+            </a:extLst>
+          </p:cNvPr>
+          <p:cNvSpPr>
+            <a:spLocks noGrp="1"/>
+          </p:cNvSpPr>
+          <p:nvPr>
+            <p:ph idx="1"/>
+          </p:nvPr>
+        </p:nvSpPr>
+        <p:spPr>
+          <a:xfrm>
+            <a:off x="913614" y="1778491"/>
+            <a:ext cx="10515600" cy="4351338"/>
+          </a:xfrm>
+        </p:spPr>
+        <p:txBody>
+          <a:bodyPr/>
+          <a:lstStyle/>
+          <a:p>
+            <a:pPr marL="0" indent="0">
+              <a:buNone/>
+            </a:pPr>
+            <a:r>
+              <a:rPr lang="ko-KR" altLang="en-US" dirty="0"/>
+              <a:t> 상영일자와 상영시각에 따라 해당 상영관의 좌석 정보가 달라진다</a:t>
+            </a:r>
+            <a:r>
+              <a:rPr lang="en-US" altLang="ko-KR" dirty="0"/>
+              <a:t>.</a:t>
+            </a:r>
+          </a:p>
+          <a:p>
+            <a:pPr marL="0" indent="0">
+              <a:buNone/>
+            </a:pPr>
+            <a:r>
+              <a:rPr lang="en-US" altLang="ko-KR" dirty="0"/>
+              <a:t>        </a:t>
+            </a:r>
+            <a:r>
+              <a:rPr lang="ko-KR" altLang="en-US" dirty="0"/>
+              <a:t>좌석 정보란</a:t>
+            </a:r>
+            <a:r>
+              <a:rPr lang="en-US" altLang="ko-KR" dirty="0"/>
+              <a:t>, </a:t>
+            </a:r>
+            <a:r>
+              <a:rPr lang="ko-KR" altLang="en-US" dirty="0"/>
+              <a:t>좌석의 수와 배치를 의미하는 것이 아닌</a:t>
+            </a:r>
+            <a:r>
+              <a:rPr lang="en-US" altLang="ko-KR" dirty="0"/>
+              <a:t>, </a:t>
+            </a:r>
+            <a:r>
+              <a:rPr lang="ko-KR" altLang="en-US" dirty="0"/>
+              <a:t>좌석을 이용할 관객에 대한 정보를 의미한다</a:t>
+            </a:r>
+            <a:r>
+              <a:rPr lang="en-US" altLang="ko-KR" dirty="0"/>
+              <a:t>.</a:t>
+            </a:r>
+          </a:p>
+          <a:p>
+            <a:pPr marL="0" indent="0">
+              <a:buNone/>
+            </a:pPr>
+            <a:r>
+              <a:rPr lang="en-US" altLang="ko-KR" dirty="0"/>
+              <a:t>        </a:t>
+            </a:r>
+            <a:r>
+              <a:rPr lang="ko-KR" altLang="en-US" dirty="0"/>
+              <a:t>즉</a:t>
+            </a:r>
+            <a:r>
+              <a:rPr lang="en-US" altLang="ko-KR" dirty="0"/>
+              <a:t>, </a:t>
+            </a:r>
+            <a:r>
+              <a:rPr lang="ko-KR" altLang="en-US" dirty="0"/>
+              <a:t>좌석을 이용할 관객에 대한 정보가 달라진다는 뜻이다</a:t>
+            </a:r>
+            <a:r>
+              <a:rPr lang="en-US" altLang="ko-KR" dirty="0"/>
+              <a:t>.</a:t>
+            </a:r>
+            <a:endParaRPr lang="ko-KR" altLang="en-US" dirty="0"/>
+          </a:p>
+        </p:txBody>
+      </p:sp>
+      <p:pic>
+        <p:nvPicPr>
+          <p:cNvPr id="5" name="그림 4">
+            <a:extLst>
+              <a:ext uri="{FF2B5EF4-FFF2-40B4-BE49-F238E27FC236}">
+                <a16:creationId xmlns:a16="http://schemas.microsoft.com/office/drawing/2014/main" id="{4C88B8A6-8B90-42A6-81B9-299F5B31A383}"/>
+              </a:ext>
+            </a:extLst>
+          </p:cNvPr>
+          <p:cNvPicPr>
+            <a:picLocks noChangeAspect="1"/>
+          </p:cNvPicPr>
+          <p:nvPr/>
+        </p:nvPicPr>
+        <p:blipFill>
+          <a:blip r:embed="rId2">
+            <a:extLst>
+              <a:ext uri="{28A0092B-C50C-407E-A947-70E740481C1C}">
+                <a14:useLocalDpi xmlns:a14="http://schemas.microsoft.com/office/drawing/2010/main" val="0"/>
+              </a:ext>
+            </a:extLst>
+          </a:blip>
+          <a:stretch>
+            <a:fillRect/>
+          </a:stretch>
+        </p:blipFill>
+        <p:spPr>
+          <a:xfrm>
+            <a:off x="3990189" y="4616450"/>
+            <a:ext cx="4362450" cy="1876425"/>
+          </a:xfrm>
+          <a:prstGeom prst="rect">
+            <a:avLst/>
+          </a:prstGeom>
+        </p:spPr>
+      </p:pic>
+    </p:spTree>
+    <p:extLst>
+      <p:ext uri="{BB962C8B-B14F-4D97-AF65-F5344CB8AC3E}">
+        <p14:creationId xmlns:p14="http://schemas.microsoft.com/office/powerpoint/2010/main" val="3160686327"/>
+      </p:ext>
+    </p:extLst>
+  </p:cSld>
+  <p:clrMapOvr>
+    <a:masterClrMapping/>
+  </p:clrMapOvr>
+</p:sld>
+</file>
+
+<file path=ppt/slides/slide12.xml><?xml version="1.0" encoding="utf-8"?>
+<p:sld xmlns:a="http://schemas.openxmlformats.org/drawingml/2006/main" xmlns:r="http://schemas.openxmlformats.org/officeDocument/2006/relationships" xmlns:p="http://schemas.openxmlformats.org/presentationml/2006/main">
+  <p:cSld>
+    <p:spTree>
+      <p:nvGrpSpPr>
+        <p:cNvPr id="1" name=""/>
+        <p:cNvGrpSpPr/>
+        <p:nvPr/>
+      </p:nvGrpSpPr>
+      <p:grpSpPr>
+        <a:xfrm>
+          <a:off x="0" y="0"/>
+          <a:ext cx="0" cy="0"/>
+          <a:chOff x="0" y="0"/>
+          <a:chExt cx="0" cy="0"/>
+        </a:xfrm>
+      </p:grpSpPr>
+      <p:sp>
+        <p:nvSpPr>
+          <p:cNvPr id="2" name="제목 1">
+            <a:extLst>
+              <a:ext uri="{FF2B5EF4-FFF2-40B4-BE49-F238E27FC236}">
+                <a16:creationId xmlns:a16="http://schemas.microsoft.com/office/drawing/2014/main" id="{715DD75F-D2BF-46A8-9015-254EE085CC6E}"/>
+              </a:ext>
+            </a:extLst>
+          </p:cNvPr>
+          <p:cNvSpPr>
+            <a:spLocks noGrp="1"/>
+          </p:cNvSpPr>
+          <p:nvPr>
+            <p:ph type="title"/>
+          </p:nvPr>
+        </p:nvSpPr>
+        <p:spPr/>
+        <p:txBody>
+          <a:bodyPr/>
+          <a:lstStyle/>
+          <a:p>
+            <a:r>
+              <a:rPr lang="ko-KR" altLang="en-US" dirty="0"/>
+              <a:t>요구사항명세서</a:t>
+            </a:r>
+          </a:p>
+        </p:txBody>
+      </p:sp>
+      <p:sp>
+        <p:nvSpPr>
+          <p:cNvPr id="3" name="내용 개체 틀 2">
+            <a:extLst>
+              <a:ext uri="{FF2B5EF4-FFF2-40B4-BE49-F238E27FC236}">
+                <a16:creationId xmlns:a16="http://schemas.microsoft.com/office/drawing/2014/main" id="{BC3F9F15-4884-484C-89FF-C712EB05D083}"/>
+              </a:ext>
+            </a:extLst>
+          </p:cNvPr>
+          <p:cNvSpPr>
+            <a:spLocks noGrp="1"/>
+          </p:cNvSpPr>
+          <p:nvPr>
+            <p:ph idx="1"/>
+          </p:nvPr>
+        </p:nvSpPr>
+        <p:spPr>
+          <a:xfrm>
+            <a:off x="913614" y="1778491"/>
+            <a:ext cx="10515600" cy="4351338"/>
+          </a:xfrm>
+        </p:spPr>
+        <p:txBody>
+          <a:bodyPr/>
+          <a:lstStyle/>
+          <a:p>
+            <a:pPr marL="0" indent="0">
+              <a:buNone/>
+            </a:pPr>
+            <a:r>
+              <a:rPr lang="ko-KR" altLang="en-US" dirty="0"/>
+              <a:t>관객종류와 각각의 관객수를 선택한다</a:t>
+            </a:r>
+            <a:r>
+              <a:rPr lang="en-US" altLang="ko-KR" dirty="0"/>
+              <a:t>. </a:t>
+            </a:r>
+          </a:p>
+          <a:p>
+            <a:pPr marL="0" indent="0">
+              <a:buNone/>
+            </a:pPr>
+            <a:r>
+              <a:rPr lang="en-US" altLang="ko-KR" dirty="0"/>
+              <a:t>        </a:t>
+            </a:r>
+            <a:r>
+              <a:rPr lang="ko-KR" altLang="en-US" dirty="0"/>
+              <a:t>이때 관객종류는 일반</a:t>
+            </a:r>
+            <a:r>
+              <a:rPr lang="en-US" altLang="ko-KR" dirty="0"/>
+              <a:t>, </a:t>
+            </a:r>
+            <a:r>
+              <a:rPr lang="ko-KR" altLang="en-US" dirty="0"/>
+              <a:t>청소년</a:t>
+            </a:r>
+            <a:r>
+              <a:rPr lang="en-US" altLang="ko-KR" dirty="0"/>
+              <a:t>, </a:t>
+            </a:r>
+            <a:r>
+              <a:rPr lang="ko-KR" altLang="en-US" dirty="0"/>
+              <a:t>경로</a:t>
+            </a:r>
+            <a:r>
+              <a:rPr lang="en-US" altLang="ko-KR" dirty="0"/>
+              <a:t>, </a:t>
+            </a:r>
+            <a:r>
+              <a:rPr lang="ko-KR" altLang="en-US" dirty="0"/>
+              <a:t>우대가 존재한다</a:t>
+            </a:r>
+            <a:r>
+              <a:rPr lang="en-US" altLang="ko-KR" dirty="0"/>
+              <a:t>.</a:t>
+            </a:r>
+          </a:p>
+          <a:p>
+            <a:pPr marL="0" indent="0">
+              <a:buNone/>
+            </a:pPr>
+            <a:r>
+              <a:rPr lang="en-US" altLang="ko-KR" dirty="0"/>
+              <a:t>        </a:t>
+            </a:r>
+            <a:r>
+              <a:rPr lang="ko-KR" altLang="en-US" dirty="0"/>
+              <a:t>상영관의 상영방식에 의거하여</a:t>
+            </a:r>
+            <a:r>
+              <a:rPr lang="en-US" altLang="ko-KR" dirty="0"/>
+              <a:t>, </a:t>
+            </a:r>
+            <a:r>
+              <a:rPr lang="ko-KR" altLang="en-US" dirty="0"/>
+              <a:t>관객종류마다 할인율이 다르게 적용된다</a:t>
+            </a:r>
+            <a:r>
+              <a:rPr lang="en-US" altLang="ko-KR" dirty="0"/>
+              <a:t>.</a:t>
+            </a:r>
+          </a:p>
+          <a:p>
+            <a:pPr marL="0" indent="0">
+              <a:buNone/>
+            </a:pPr>
+            <a:r>
+              <a:rPr lang="en-US" altLang="ko-KR" dirty="0"/>
+              <a:t>        </a:t>
+            </a:r>
+            <a:r>
+              <a:rPr lang="ko-KR" altLang="en-US" dirty="0"/>
+              <a:t>일반은 할인하지 않아 </a:t>
+            </a:r>
+            <a:r>
+              <a:rPr lang="en-US" altLang="ko-KR" dirty="0"/>
+              <a:t>100% </a:t>
+            </a:r>
+            <a:r>
+              <a:rPr lang="ko-KR" altLang="en-US" dirty="0"/>
+              <a:t>값을 지불하고</a:t>
+            </a:r>
+            <a:r>
+              <a:rPr lang="en-US" altLang="ko-KR" dirty="0"/>
+              <a:t>,</a:t>
+            </a:r>
+          </a:p>
+          <a:p>
+            <a:pPr marL="0" indent="0">
+              <a:buNone/>
+            </a:pPr>
+            <a:r>
+              <a:rPr lang="en-US" altLang="ko-KR" dirty="0"/>
+              <a:t>        </a:t>
+            </a:r>
+            <a:r>
+              <a:rPr lang="ko-KR" altLang="en-US" dirty="0"/>
+              <a:t>청소년은 </a:t>
+            </a:r>
+            <a:r>
+              <a:rPr lang="en-US" altLang="ko-KR" dirty="0"/>
+              <a:t>80% </a:t>
+            </a:r>
+            <a:r>
+              <a:rPr lang="ko-KR" altLang="en-US" dirty="0"/>
+              <a:t>값을 지불하고</a:t>
+            </a:r>
+            <a:r>
+              <a:rPr lang="en-US" altLang="ko-KR" dirty="0"/>
+              <a:t>,</a:t>
+            </a:r>
+          </a:p>
+          <a:p>
+            <a:pPr marL="0" indent="0">
+              <a:buNone/>
+            </a:pPr>
+            <a:r>
+              <a:rPr lang="en-US" altLang="ko-KR" dirty="0"/>
+              <a:t>        </a:t>
+            </a:r>
+            <a:r>
+              <a:rPr lang="ko-KR" altLang="en-US" dirty="0"/>
+              <a:t>경로는 </a:t>
+            </a:r>
+            <a:r>
+              <a:rPr lang="en-US" altLang="ko-KR" dirty="0"/>
+              <a:t>60% </a:t>
+            </a:r>
+            <a:r>
+              <a:rPr lang="ko-KR" altLang="en-US" dirty="0"/>
+              <a:t>값을 지불하고</a:t>
+            </a:r>
+            <a:r>
+              <a:rPr lang="en-US" altLang="ko-KR" dirty="0"/>
+              <a:t>,</a:t>
+            </a:r>
+          </a:p>
+          <a:p>
+            <a:pPr marL="0" indent="0">
+              <a:buNone/>
+            </a:pPr>
+            <a:r>
+              <a:rPr lang="en-US" altLang="ko-KR" dirty="0"/>
+              <a:t>        </a:t>
+            </a:r>
+            <a:r>
+              <a:rPr lang="ko-KR" altLang="en-US" dirty="0"/>
+              <a:t>우대는 </a:t>
+            </a:r>
+            <a:r>
+              <a:rPr lang="en-US" altLang="ko-KR" dirty="0"/>
+              <a:t>40% </a:t>
+            </a:r>
+            <a:r>
+              <a:rPr lang="ko-KR" altLang="en-US" dirty="0"/>
+              <a:t>값을 지불한다</a:t>
+            </a:r>
+            <a:r>
+              <a:rPr lang="en-US" altLang="ko-KR" dirty="0"/>
+              <a:t>.</a:t>
+            </a:r>
+          </a:p>
+          <a:p>
+            <a:pPr marL="0" indent="0">
+              <a:buNone/>
+            </a:pPr>
+            <a:endParaRPr lang="ko-KR" altLang="en-US" dirty="0"/>
+          </a:p>
+        </p:txBody>
+      </p:sp>
+      <p:pic>
+        <p:nvPicPr>
+          <p:cNvPr id="5" name="그림 4">
+            <a:extLst>
+              <a:ext uri="{FF2B5EF4-FFF2-40B4-BE49-F238E27FC236}">
+                <a16:creationId xmlns:a16="http://schemas.microsoft.com/office/drawing/2014/main" id="{0D271BE7-0835-4982-91FC-E6F54B732F79}"/>
+              </a:ext>
+            </a:extLst>
+          </p:cNvPr>
+          <p:cNvPicPr>
+            <a:picLocks noChangeAspect="1"/>
+          </p:cNvPicPr>
+          <p:nvPr/>
+        </p:nvPicPr>
+        <p:blipFill>
+          <a:blip r:embed="rId2">
+            <a:extLst>
+              <a:ext uri="{28A0092B-C50C-407E-A947-70E740481C1C}">
+                <a14:useLocalDpi xmlns:a14="http://schemas.microsoft.com/office/drawing/2010/main" val="0"/>
+              </a:ext>
+            </a:extLst>
+          </a:blip>
+          <a:stretch>
+            <a:fillRect/>
+          </a:stretch>
+        </p:blipFill>
+        <p:spPr>
+          <a:xfrm>
+            <a:off x="8928508" y="4622031"/>
+            <a:ext cx="1876425" cy="1724025"/>
+          </a:xfrm>
+          <a:prstGeom prst="rect">
+            <a:avLst/>
+          </a:prstGeom>
+        </p:spPr>
+      </p:pic>
+    </p:spTree>
+    <p:extLst>
+      <p:ext uri="{BB962C8B-B14F-4D97-AF65-F5344CB8AC3E}">
+        <p14:creationId xmlns:p14="http://schemas.microsoft.com/office/powerpoint/2010/main" val="165117611"/>
+      </p:ext>
+    </p:extLst>
+  </p:cSld>
+  <p:clrMapOvr>
+    <a:masterClrMapping/>
+  </p:clrMapOvr>
+</p:sld>
+</file>
+
+<file path=ppt/slides/slide13.xml><?xml version="1.0" encoding="utf-8"?>
+<p:sld xmlns:a="http://schemas.openxmlformats.org/drawingml/2006/main" xmlns:r="http://schemas.openxmlformats.org/officeDocument/2006/relationships" xmlns:p="http://schemas.openxmlformats.org/presentationml/2006/main">
+  <p:cSld>
+    <p:spTree>
+      <p:nvGrpSpPr>
+        <p:cNvPr id="1" name=""/>
+        <p:cNvGrpSpPr/>
+        <p:nvPr/>
+      </p:nvGrpSpPr>
+      <p:grpSpPr>
+        <a:xfrm>
+          <a:off x="0" y="0"/>
+          <a:ext cx="0" cy="0"/>
+          <a:chOff x="0" y="0"/>
+          <a:chExt cx="0" cy="0"/>
+        </a:xfrm>
+      </p:grpSpPr>
+      <p:sp>
+        <p:nvSpPr>
+          <p:cNvPr id="2" name="제목 1">
+            <a:extLst>
+              <a:ext uri="{FF2B5EF4-FFF2-40B4-BE49-F238E27FC236}">
+                <a16:creationId xmlns:a16="http://schemas.microsoft.com/office/drawing/2014/main" id="{715DD75F-D2BF-46A8-9015-254EE085CC6E}"/>
+              </a:ext>
+            </a:extLst>
+          </p:cNvPr>
+          <p:cNvSpPr>
+            <a:spLocks noGrp="1"/>
+          </p:cNvSpPr>
+          <p:nvPr>
+            <p:ph type="title"/>
+          </p:nvPr>
+        </p:nvSpPr>
+        <p:spPr/>
+        <p:txBody>
+          <a:bodyPr/>
+          <a:lstStyle/>
+          <a:p>
+            <a:r>
+              <a:rPr lang="ko-KR" altLang="en-US" dirty="0"/>
+              <a:t>요구사항명세서</a:t>
+            </a:r>
+          </a:p>
+        </p:txBody>
+      </p:sp>
+      <p:sp>
+        <p:nvSpPr>
+          <p:cNvPr id="3" name="내용 개체 틀 2">
+            <a:extLst>
+              <a:ext uri="{FF2B5EF4-FFF2-40B4-BE49-F238E27FC236}">
+                <a16:creationId xmlns:a16="http://schemas.microsoft.com/office/drawing/2014/main" id="{BC3F9F15-4884-484C-89FF-C712EB05D083}"/>
+              </a:ext>
+            </a:extLst>
+          </p:cNvPr>
+          <p:cNvSpPr>
+            <a:spLocks noGrp="1"/>
+          </p:cNvSpPr>
+          <p:nvPr>
+            <p:ph idx="1"/>
+          </p:nvPr>
+        </p:nvSpPr>
+        <p:spPr>
+          <a:xfrm>
+            <a:off x="913614" y="1778491"/>
+            <a:ext cx="10515600" cy="4351338"/>
+          </a:xfrm>
+        </p:spPr>
+        <p:txBody>
+          <a:bodyPr/>
+          <a:lstStyle/>
+          <a:p>
+            <a:pPr marL="0" indent="0">
+              <a:buNone/>
+            </a:pPr>
+            <a:r>
+              <a:rPr lang="ko-KR" altLang="en-US" dirty="0"/>
+              <a:t>사용자의 생년월일과 영화의 시청등급을 기준으로 예매자가 해당 영화를 시청가능한지 판단한다</a:t>
+            </a:r>
+            <a:r>
+              <a:rPr lang="en-US" altLang="ko-KR" dirty="0"/>
+              <a:t>.</a:t>
+            </a:r>
+          </a:p>
+          <a:p>
+            <a:pPr marL="0" indent="0">
+              <a:buNone/>
+            </a:pPr>
+            <a:r>
+              <a:rPr lang="en-US" altLang="ko-KR" dirty="0"/>
+              <a:t>    </a:t>
+            </a:r>
+            <a:r>
+              <a:rPr lang="ko-KR" altLang="en-US" dirty="0"/>
+              <a:t>예매자는 </a:t>
+            </a:r>
+            <a:r>
+              <a:rPr lang="ko-KR" altLang="en-US" dirty="0" err="1"/>
+              <a:t>잔여좌석중</a:t>
+            </a:r>
+            <a:r>
+              <a:rPr lang="ko-KR" altLang="en-US" dirty="0"/>
+              <a:t> 관객수만큼 원하는 좌석을 선택한다</a:t>
+            </a:r>
+            <a:r>
+              <a:rPr lang="en-US" altLang="ko-KR" dirty="0"/>
+              <a:t>.</a:t>
+            </a:r>
+            <a:endParaRPr lang="ko-KR" altLang="en-US" dirty="0"/>
+          </a:p>
+        </p:txBody>
+      </p:sp>
+      <p:pic>
+        <p:nvPicPr>
+          <p:cNvPr id="5" name="그림 4">
+            <a:extLst>
+              <a:ext uri="{FF2B5EF4-FFF2-40B4-BE49-F238E27FC236}">
+                <a16:creationId xmlns:a16="http://schemas.microsoft.com/office/drawing/2014/main" id="{502AF3C3-ABCD-472A-AF84-A54C414C1702}"/>
+              </a:ext>
+            </a:extLst>
+          </p:cNvPr>
+          <p:cNvPicPr>
+            <a:picLocks noChangeAspect="1"/>
+          </p:cNvPicPr>
+          <p:nvPr/>
+        </p:nvPicPr>
+        <p:blipFill>
+          <a:blip r:embed="rId2">
+            <a:extLst>
+              <a:ext uri="{28A0092B-C50C-407E-A947-70E740481C1C}">
+                <a14:useLocalDpi xmlns:a14="http://schemas.microsoft.com/office/drawing/2010/main" val="0"/>
+              </a:ext>
+            </a:extLst>
+          </a:blip>
+          <a:stretch>
+            <a:fillRect/>
+          </a:stretch>
+        </p:blipFill>
+        <p:spPr>
+          <a:xfrm>
+            <a:off x="1131216" y="3581707"/>
+            <a:ext cx="9719035" cy="2827220"/>
+          </a:xfrm>
+          <a:prstGeom prst="rect">
+            <a:avLst/>
+          </a:prstGeom>
+        </p:spPr>
+      </p:pic>
+    </p:spTree>
+    <p:extLst>
+      <p:ext uri="{BB962C8B-B14F-4D97-AF65-F5344CB8AC3E}">
+        <p14:creationId xmlns:p14="http://schemas.microsoft.com/office/powerpoint/2010/main" val="1754665832"/>
+      </p:ext>
+    </p:extLst>
+  </p:cSld>
+  <p:clrMapOvr>
+    <a:masterClrMapping/>
+  </p:clrMapOvr>
+</p:sld>
+</file>
+
+<file path=ppt/slides/slide14.xml><?xml version="1.0" encoding="utf-8"?>
+<p:sld xmlns:a="http://schemas.openxmlformats.org/drawingml/2006/main" xmlns:r="http://schemas.openxmlformats.org/officeDocument/2006/relationships" xmlns:p="http://schemas.openxmlformats.org/presentationml/2006/main">
+  <p:cSld>
+    <p:spTree>
+      <p:nvGrpSpPr>
+        <p:cNvPr id="1" name=""/>
+        <p:cNvGrpSpPr/>
+        <p:nvPr/>
+      </p:nvGrpSpPr>
+      <p:grpSpPr>
+        <a:xfrm>
+          <a:off x="0" y="0"/>
+          <a:ext cx="0" cy="0"/>
+          <a:chOff x="0" y="0"/>
+          <a:chExt cx="0" cy="0"/>
+        </a:xfrm>
+      </p:grpSpPr>
+      <p:sp>
+        <p:nvSpPr>
+          <p:cNvPr id="2" name="제목 1">
+            <a:extLst>
+              <a:ext uri="{FF2B5EF4-FFF2-40B4-BE49-F238E27FC236}">
+                <a16:creationId xmlns:a16="http://schemas.microsoft.com/office/drawing/2014/main" id="{715DD75F-D2BF-46A8-9015-254EE085CC6E}"/>
+              </a:ext>
+            </a:extLst>
+          </p:cNvPr>
+          <p:cNvSpPr>
+            <a:spLocks noGrp="1"/>
+          </p:cNvSpPr>
+          <p:nvPr>
+            <p:ph type="title"/>
+          </p:nvPr>
+        </p:nvSpPr>
+        <p:spPr/>
+        <p:txBody>
+          <a:bodyPr/>
+          <a:lstStyle/>
+          <a:p>
+            <a:r>
+              <a:rPr lang="ko-KR" altLang="en-US" dirty="0"/>
+              <a:t>요구사항명세서</a:t>
+            </a:r>
+          </a:p>
+        </p:txBody>
+      </p:sp>
+      <p:sp>
+        <p:nvSpPr>
+          <p:cNvPr id="3" name="내용 개체 틀 2">
+            <a:extLst>
+              <a:ext uri="{FF2B5EF4-FFF2-40B4-BE49-F238E27FC236}">
+                <a16:creationId xmlns:a16="http://schemas.microsoft.com/office/drawing/2014/main" id="{BC3F9F15-4884-484C-89FF-C712EB05D083}"/>
+              </a:ext>
+            </a:extLst>
+          </p:cNvPr>
+          <p:cNvSpPr>
+            <a:spLocks noGrp="1"/>
+          </p:cNvSpPr>
+          <p:nvPr>
+            <p:ph idx="1"/>
+          </p:nvPr>
+        </p:nvSpPr>
+        <p:spPr>
+          <a:xfrm>
+            <a:off x="913614" y="1778491"/>
+            <a:ext cx="10515600" cy="4351338"/>
+          </a:xfrm>
+        </p:spPr>
+        <p:txBody>
+          <a:bodyPr/>
+          <a:lstStyle/>
+          <a:p>
+            <a:pPr marL="0" indent="0">
+              <a:buNone/>
+            </a:pPr>
+            <a:r>
+              <a:rPr lang="ko-KR" altLang="en-US" dirty="0"/>
+              <a:t>예매단계를 모두 완료한 정보를 토대로 결제단계를 진행한다</a:t>
+            </a:r>
+            <a:r>
+              <a:rPr lang="en-US" altLang="ko-KR" dirty="0"/>
+              <a:t>.</a:t>
+            </a:r>
+          </a:p>
+          <a:p>
+            <a:pPr marL="0" indent="0">
+              <a:buNone/>
+            </a:pPr>
+            <a:r>
+              <a:rPr lang="en-US" altLang="ko-KR" dirty="0"/>
+              <a:t>    </a:t>
+            </a:r>
+            <a:r>
+              <a:rPr lang="ko-KR" altLang="en-US" dirty="0"/>
+              <a:t>예매정보를 생성한 시각 즉</a:t>
+            </a:r>
+            <a:r>
+              <a:rPr lang="en-US" altLang="ko-KR" dirty="0"/>
+              <a:t>, </a:t>
+            </a:r>
+            <a:r>
+              <a:rPr lang="ko-KR" altLang="en-US" dirty="0"/>
+              <a:t>예매시각이 </a:t>
+            </a:r>
+            <a:r>
+              <a:rPr lang="en-US" altLang="ko-KR" dirty="0"/>
+              <a:t>5</a:t>
+            </a:r>
+            <a:r>
+              <a:rPr lang="ko-KR" altLang="en-US" dirty="0"/>
+              <a:t>분 이상 경과되면 결제단계를 진행하지 않는다고 간주하여 예매정보를 삭제한다</a:t>
+            </a:r>
+            <a:r>
+              <a:rPr lang="en-US" altLang="ko-KR" dirty="0"/>
+              <a:t>.</a:t>
+            </a:r>
+            <a:endParaRPr lang="ko-KR" altLang="en-US" dirty="0"/>
+          </a:p>
+        </p:txBody>
+      </p:sp>
+      <p:pic>
+        <p:nvPicPr>
+          <p:cNvPr id="5" name="그림 4">
+            <a:extLst>
+              <a:ext uri="{FF2B5EF4-FFF2-40B4-BE49-F238E27FC236}">
+                <a16:creationId xmlns:a16="http://schemas.microsoft.com/office/drawing/2014/main" id="{BB60F386-71CB-45E7-A02F-25BA3688DD35}"/>
+              </a:ext>
+            </a:extLst>
+          </p:cNvPr>
+          <p:cNvPicPr>
+            <a:picLocks noChangeAspect="1"/>
+          </p:cNvPicPr>
+          <p:nvPr/>
+        </p:nvPicPr>
+        <p:blipFill>
+          <a:blip r:embed="rId2">
+            <a:extLst>
+              <a:ext uri="{28A0092B-C50C-407E-A947-70E740481C1C}">
+                <a14:useLocalDpi xmlns:a14="http://schemas.microsoft.com/office/drawing/2010/main" val="0"/>
+              </a:ext>
+            </a:extLst>
+          </a:blip>
+          <a:stretch>
+            <a:fillRect/>
+          </a:stretch>
+        </p:blipFill>
+        <p:spPr>
+          <a:xfrm>
+            <a:off x="2453178" y="3311004"/>
+            <a:ext cx="7285643" cy="3073348"/>
+          </a:xfrm>
+          <a:prstGeom prst="rect">
+            <a:avLst/>
+          </a:prstGeom>
+        </p:spPr>
+      </p:pic>
+    </p:spTree>
+    <p:extLst>
+      <p:ext uri="{BB962C8B-B14F-4D97-AF65-F5344CB8AC3E}">
+        <p14:creationId xmlns:p14="http://schemas.microsoft.com/office/powerpoint/2010/main" val="2286324886"/>
+      </p:ext>
+    </p:extLst>
+  </p:cSld>
+  <p:clrMapOvr>
+    <a:masterClrMapping/>
+  </p:clrMapOvr>
+</p:sld>
+</file>
+
+<file path=ppt/slides/slide15.xml><?xml version="1.0" encoding="utf-8"?>
+<p:sld xmlns:a="http://schemas.openxmlformats.org/drawingml/2006/main" xmlns:r="http://schemas.openxmlformats.org/officeDocument/2006/relationships" xmlns:p="http://schemas.openxmlformats.org/presentationml/2006/main">
+  <p:cSld>
+    <p:spTree>
+      <p:nvGrpSpPr>
+        <p:cNvPr id="1" name=""/>
+        <p:cNvGrpSpPr/>
+        <p:nvPr/>
+      </p:nvGrpSpPr>
+      <p:grpSpPr>
+        <a:xfrm>
+          <a:off x="0" y="0"/>
+          <a:ext cx="0" cy="0"/>
+          <a:chOff x="0" y="0"/>
+          <a:chExt cx="0" cy="0"/>
+        </a:xfrm>
+      </p:grpSpPr>
+      <p:sp>
+        <p:nvSpPr>
+          <p:cNvPr id="2" name="제목 1">
+            <a:extLst>
+              <a:ext uri="{FF2B5EF4-FFF2-40B4-BE49-F238E27FC236}">
+                <a16:creationId xmlns:a16="http://schemas.microsoft.com/office/drawing/2014/main" id="{715DD75F-D2BF-46A8-9015-254EE085CC6E}"/>
+              </a:ext>
+            </a:extLst>
+          </p:cNvPr>
+          <p:cNvSpPr>
+            <a:spLocks noGrp="1"/>
+          </p:cNvSpPr>
+          <p:nvPr>
+            <p:ph type="title"/>
+          </p:nvPr>
+        </p:nvSpPr>
+        <p:spPr/>
+        <p:txBody>
+          <a:bodyPr/>
+          <a:lstStyle/>
+          <a:p>
+            <a:r>
+              <a:rPr lang="ko-KR" altLang="en-US" dirty="0"/>
+              <a:t>요구사항명세서</a:t>
+            </a:r>
+          </a:p>
+        </p:txBody>
+      </p:sp>
+      <p:sp>
+        <p:nvSpPr>
+          <p:cNvPr id="3" name="내용 개체 틀 2">
+            <a:extLst>
+              <a:ext uri="{FF2B5EF4-FFF2-40B4-BE49-F238E27FC236}">
+                <a16:creationId xmlns:a16="http://schemas.microsoft.com/office/drawing/2014/main" id="{BC3F9F15-4884-484C-89FF-C712EB05D083}"/>
+              </a:ext>
+            </a:extLst>
+          </p:cNvPr>
+          <p:cNvSpPr>
+            <a:spLocks noGrp="1"/>
+          </p:cNvSpPr>
+          <p:nvPr>
+            <p:ph idx="1"/>
+          </p:nvPr>
+        </p:nvSpPr>
+        <p:spPr>
+          <a:xfrm>
+            <a:off x="913614" y="1778491"/>
+            <a:ext cx="10515600" cy="4351338"/>
+          </a:xfrm>
+        </p:spPr>
+        <p:txBody>
+          <a:bodyPr/>
+          <a:lstStyle/>
+          <a:p>
+            <a:pPr marL="0" indent="0">
+              <a:buNone/>
+            </a:pPr>
+            <a:endParaRPr lang="ko-KR" altLang="en-US" dirty="0"/>
+          </a:p>
+        </p:txBody>
+      </p:sp>
+    </p:spTree>
+    <p:extLst>
+      <p:ext uri="{BB962C8B-B14F-4D97-AF65-F5344CB8AC3E}">
+        <p14:creationId xmlns:p14="http://schemas.microsoft.com/office/powerpoint/2010/main" val="1809161963"/>
+      </p:ext>
+    </p:extLst>
+  </p:cSld>
+  <p:clrMapOvr>
+    <a:masterClrMapping/>
+  </p:clrMapOvr>
+</p:sld>
+</file>
+
+<file path=ppt/slides/slide16.xml><?xml version="1.0" encoding="utf-8"?>
+<p:sld xmlns:a="http://schemas.openxmlformats.org/drawingml/2006/main" xmlns:r="http://schemas.openxmlformats.org/officeDocument/2006/relationships" xmlns:p="http://schemas.openxmlformats.org/presentationml/2006/main">
+  <p:cSld>
+    <p:spTree>
+      <p:nvGrpSpPr>
+        <p:cNvPr id="1" name=""/>
+        <p:cNvGrpSpPr/>
+        <p:nvPr/>
+      </p:nvGrpSpPr>
+      <p:grpSpPr>
+        <a:xfrm>
+          <a:off x="0" y="0"/>
+          <a:ext cx="0" cy="0"/>
+          <a:chOff x="0" y="0"/>
+          <a:chExt cx="0" cy="0"/>
+        </a:xfrm>
+      </p:grpSpPr>
+      <p:sp>
+        <p:nvSpPr>
+          <p:cNvPr id="2" name="제목 1">
+            <a:extLst>
+              <a:ext uri="{FF2B5EF4-FFF2-40B4-BE49-F238E27FC236}">
+                <a16:creationId xmlns:a16="http://schemas.microsoft.com/office/drawing/2014/main" id="{715DD75F-D2BF-46A8-9015-254EE085CC6E}"/>
+              </a:ext>
+            </a:extLst>
+          </p:cNvPr>
+          <p:cNvSpPr>
+            <a:spLocks noGrp="1"/>
+          </p:cNvSpPr>
+          <p:nvPr>
+            <p:ph type="title"/>
+          </p:nvPr>
+        </p:nvSpPr>
+        <p:spPr/>
+        <p:txBody>
+          <a:bodyPr/>
+          <a:lstStyle/>
+          <a:p>
+            <a:r>
+              <a:rPr lang="ko-KR" altLang="en-US" dirty="0"/>
+              <a:t>요구사항명세서</a:t>
+            </a:r>
+          </a:p>
+        </p:txBody>
+      </p:sp>
+      <p:sp>
+        <p:nvSpPr>
+          <p:cNvPr id="3" name="내용 개체 틀 2">
+            <a:extLst>
+              <a:ext uri="{FF2B5EF4-FFF2-40B4-BE49-F238E27FC236}">
+                <a16:creationId xmlns:a16="http://schemas.microsoft.com/office/drawing/2014/main" id="{BC3F9F15-4884-484C-89FF-C712EB05D083}"/>
+              </a:ext>
+            </a:extLst>
+          </p:cNvPr>
+          <p:cNvSpPr>
+            <a:spLocks noGrp="1"/>
+          </p:cNvSpPr>
+          <p:nvPr>
+            <p:ph idx="1"/>
+          </p:nvPr>
+        </p:nvSpPr>
+        <p:spPr>
+          <a:xfrm>
+            <a:off x="913614" y="1778491"/>
+            <a:ext cx="10515600" cy="4351338"/>
+          </a:xfrm>
+        </p:spPr>
+        <p:txBody>
+          <a:bodyPr/>
+          <a:lstStyle/>
+          <a:p>
+            <a:pPr marL="0" indent="0">
+              <a:buNone/>
+            </a:pPr>
+            <a:endParaRPr lang="ko-KR" altLang="en-US" dirty="0"/>
+          </a:p>
+        </p:txBody>
+      </p:sp>
+    </p:spTree>
+    <p:extLst>
+      <p:ext uri="{BB962C8B-B14F-4D97-AF65-F5344CB8AC3E}">
+        <p14:creationId xmlns:p14="http://schemas.microsoft.com/office/powerpoint/2010/main" val="2046859628"/>
+      </p:ext>
+    </p:extLst>
+  </p:cSld>
+  <p:clrMapOvr>
+    <a:masterClrMapping/>
+  </p:clrMapOvr>
+</p:sld>
+</file>
+
+<file path=ppt/slides/slide17.xml><?xml version="1.0" encoding="utf-8"?>
+<p:sld xmlns:a="http://schemas.openxmlformats.org/drawingml/2006/main" xmlns:r="http://schemas.openxmlformats.org/officeDocument/2006/relationships" xmlns:p="http://schemas.openxmlformats.org/presentationml/2006/main">
+  <p:cSld>
+    <p:spTree>
+      <p:nvGrpSpPr>
+        <p:cNvPr id="1" name=""/>
+        <p:cNvGrpSpPr/>
+        <p:nvPr/>
+      </p:nvGrpSpPr>
+      <p:grpSpPr>
+        <a:xfrm>
+          <a:off x="0" y="0"/>
+          <a:ext cx="0" cy="0"/>
+          <a:chOff x="0" y="0"/>
+          <a:chExt cx="0" cy="0"/>
+        </a:xfrm>
+      </p:grpSpPr>
+      <p:sp>
+        <p:nvSpPr>
+          <p:cNvPr id="2" name="제목 1">
+            <a:extLst>
+              <a:ext uri="{FF2B5EF4-FFF2-40B4-BE49-F238E27FC236}">
+                <a16:creationId xmlns:a16="http://schemas.microsoft.com/office/drawing/2014/main" id="{715DD75F-D2BF-46A8-9015-254EE085CC6E}"/>
+              </a:ext>
+            </a:extLst>
+          </p:cNvPr>
+          <p:cNvSpPr>
+            <a:spLocks noGrp="1"/>
+          </p:cNvSpPr>
+          <p:nvPr>
+            <p:ph type="title"/>
+          </p:nvPr>
+        </p:nvSpPr>
+        <p:spPr/>
+        <p:txBody>
+          <a:bodyPr/>
+          <a:lstStyle/>
+          <a:p>
+            <a:r>
+              <a:rPr lang="ko-KR" altLang="en-US" dirty="0"/>
+              <a:t>요구사항명세서</a:t>
+            </a:r>
+          </a:p>
+        </p:txBody>
+      </p:sp>
+      <p:sp>
+        <p:nvSpPr>
+          <p:cNvPr id="3" name="내용 개체 틀 2">
+            <a:extLst>
+              <a:ext uri="{FF2B5EF4-FFF2-40B4-BE49-F238E27FC236}">
+                <a16:creationId xmlns:a16="http://schemas.microsoft.com/office/drawing/2014/main" id="{BC3F9F15-4884-484C-89FF-C712EB05D083}"/>
+              </a:ext>
+            </a:extLst>
+          </p:cNvPr>
+          <p:cNvSpPr>
+            <a:spLocks noGrp="1"/>
+          </p:cNvSpPr>
+          <p:nvPr>
+            <p:ph idx="1"/>
+          </p:nvPr>
+        </p:nvSpPr>
+        <p:spPr>
+          <a:xfrm>
+            <a:off x="913614" y="1778491"/>
+            <a:ext cx="10515600" cy="4351338"/>
+          </a:xfrm>
+        </p:spPr>
+        <p:txBody>
+          <a:bodyPr/>
+          <a:lstStyle/>
+          <a:p>
+            <a:pPr marL="0" indent="0">
+              <a:buNone/>
+            </a:pPr>
+            <a:endParaRPr lang="ko-KR" altLang="en-US" dirty="0"/>
+          </a:p>
+        </p:txBody>
+      </p:sp>
+    </p:spTree>
+    <p:extLst>
+      <p:ext uri="{BB962C8B-B14F-4D97-AF65-F5344CB8AC3E}">
+        <p14:creationId xmlns:p14="http://schemas.microsoft.com/office/powerpoint/2010/main" val="2328226113"/>
+      </p:ext>
+    </p:extLst>
+  </p:cSld>
+  <p:clrMapOvr>
+    <a:masterClrMapping/>
+  </p:clrMapOvr>
+</p:sld>
+</file>
+
+<file path=ppt/slides/slide18.xml><?xml version="1.0" encoding="utf-8"?>
+<p:sld xmlns:a="http://schemas.openxmlformats.org/drawingml/2006/main" xmlns:r="http://schemas.openxmlformats.org/officeDocument/2006/relationships" xmlns:p="http://schemas.openxmlformats.org/presentationml/2006/main">
+  <p:cSld>
+    <p:spTree>
+      <p:nvGrpSpPr>
+        <p:cNvPr id="1" name=""/>
+        <p:cNvGrpSpPr/>
+        <p:nvPr/>
+      </p:nvGrpSpPr>
+      <p:grpSpPr>
+        <a:xfrm>
+          <a:off x="0" y="0"/>
+          <a:ext cx="0" cy="0"/>
+          <a:chOff x="0" y="0"/>
+          <a:chExt cx="0" cy="0"/>
+        </a:xfrm>
+      </p:grpSpPr>
+      <p:sp>
+        <p:nvSpPr>
+          <p:cNvPr id="2" name="제목 1">
+            <a:extLst>
+              <a:ext uri="{FF2B5EF4-FFF2-40B4-BE49-F238E27FC236}">
+                <a16:creationId xmlns:a16="http://schemas.microsoft.com/office/drawing/2014/main" id="{715DD75F-D2BF-46A8-9015-254EE085CC6E}"/>
+              </a:ext>
+            </a:extLst>
+          </p:cNvPr>
+          <p:cNvSpPr>
+            <a:spLocks noGrp="1"/>
+          </p:cNvSpPr>
+          <p:nvPr>
+            <p:ph type="title"/>
+          </p:nvPr>
+        </p:nvSpPr>
+        <p:spPr/>
+        <p:txBody>
+          <a:bodyPr/>
+          <a:lstStyle/>
+          <a:p>
+            <a:r>
+              <a:rPr lang="ko-KR" altLang="en-US" dirty="0"/>
+              <a:t>개념적 설계 </a:t>
+            </a:r>
+            <a:r>
+              <a:rPr lang="en-US" altLang="ko-KR" dirty="0"/>
+              <a:t>- ERD</a:t>
+            </a:r>
+            <a:endParaRPr lang="ko-KR" altLang="en-US" dirty="0"/>
+          </a:p>
+        </p:txBody>
+      </p:sp>
+      <p:sp>
+        <p:nvSpPr>
+          <p:cNvPr id="3" name="내용 개체 틀 2">
+            <a:extLst>
+              <a:ext uri="{FF2B5EF4-FFF2-40B4-BE49-F238E27FC236}">
+                <a16:creationId xmlns:a16="http://schemas.microsoft.com/office/drawing/2014/main" id="{BC3F9F15-4884-484C-89FF-C712EB05D083}"/>
+              </a:ext>
+            </a:extLst>
+          </p:cNvPr>
+          <p:cNvSpPr>
+            <a:spLocks noGrp="1"/>
+          </p:cNvSpPr>
+          <p:nvPr>
+            <p:ph idx="1"/>
+          </p:nvPr>
+        </p:nvSpPr>
+        <p:spPr/>
+        <p:txBody>
+          <a:bodyPr/>
+          <a:lstStyle/>
+          <a:p>
+            <a:r>
+              <a:rPr lang="ko-KR" altLang="en-US" dirty="0"/>
+              <a:t>요구사항명세서를 기준으로 작성한 </a:t>
+            </a:r>
+            <a:r>
+              <a:rPr lang="en-US" altLang="ko-KR" dirty="0" err="1"/>
+              <a:t>erd</a:t>
+            </a:r>
+            <a:r>
+              <a:rPr lang="en-US" altLang="ko-KR" dirty="0"/>
+              <a:t> </a:t>
+            </a:r>
+            <a:r>
+              <a:rPr lang="ko-KR" altLang="en-US" dirty="0"/>
+              <a:t>설명하기</a:t>
+            </a:r>
+            <a:endParaRPr lang="en-US" altLang="ko-KR" dirty="0"/>
+          </a:p>
+          <a:p>
+            <a:r>
+              <a:rPr lang="ko-KR" altLang="en-US" dirty="0"/>
+              <a:t>마지막에 </a:t>
+            </a:r>
+            <a:r>
+              <a:rPr lang="ko-KR" altLang="en-US" dirty="0" err="1"/>
+              <a:t>완성되</a:t>
+            </a:r>
+            <a:r>
+              <a:rPr lang="ko-KR" altLang="en-US" dirty="0"/>
+              <a:t> 피터 첸 </a:t>
+            </a:r>
+            <a:r>
+              <a:rPr lang="en-US" altLang="ko-KR" dirty="0" err="1"/>
+              <a:t>erd</a:t>
+            </a:r>
+            <a:r>
+              <a:rPr lang="en-US" altLang="ko-KR" dirty="0"/>
+              <a:t> </a:t>
+            </a:r>
+            <a:r>
+              <a:rPr lang="ko-KR" altLang="en-US" dirty="0"/>
+              <a:t>붙여넣기</a:t>
+            </a:r>
+          </a:p>
+        </p:txBody>
+      </p:sp>
+    </p:spTree>
+    <p:extLst>
+      <p:ext uri="{BB962C8B-B14F-4D97-AF65-F5344CB8AC3E}">
+        <p14:creationId xmlns:p14="http://schemas.microsoft.com/office/powerpoint/2010/main" val="4094471651"/>
+      </p:ext>
+    </p:extLst>
+  </p:cSld>
+  <p:clrMapOvr>
+    <a:masterClrMapping/>
+  </p:clrMapOvr>
+</p:sld>
+</file>
+
+<file path=ppt/slides/slide19.xml><?xml version="1.0" encoding="utf-8"?>
+<p:sld xmlns:a="http://schemas.openxmlformats.org/drawingml/2006/main" xmlns:r="http://schemas.openxmlformats.org/officeDocument/2006/relationships" xmlns:p="http://schemas.openxmlformats.org/presentationml/2006/main">
+  <p:cSld>
+    <p:spTree>
+      <p:nvGrpSpPr>
+        <p:cNvPr id="1" name=""/>
+        <p:cNvGrpSpPr/>
+        <p:nvPr/>
+      </p:nvGrpSpPr>
+      <p:grpSpPr>
+        <a:xfrm>
+          <a:off x="0" y="0"/>
+          <a:ext cx="0" cy="0"/>
+          <a:chOff x="0" y="0"/>
+          <a:chExt cx="0" cy="0"/>
+        </a:xfrm>
+      </p:grpSpPr>
+      <p:sp>
+        <p:nvSpPr>
+          <p:cNvPr id="2" name="제목 1">
+            <a:extLst>
+              <a:ext uri="{FF2B5EF4-FFF2-40B4-BE49-F238E27FC236}">
+                <a16:creationId xmlns:a16="http://schemas.microsoft.com/office/drawing/2014/main" id="{715DD75F-D2BF-46A8-9015-254EE085CC6E}"/>
+              </a:ext>
+            </a:extLst>
+          </p:cNvPr>
+          <p:cNvSpPr>
+            <a:spLocks noGrp="1"/>
+          </p:cNvSpPr>
+          <p:nvPr>
+            <p:ph type="title"/>
+          </p:nvPr>
+        </p:nvSpPr>
+        <p:spPr/>
+        <p:txBody>
+          <a:bodyPr/>
+          <a:lstStyle/>
+          <a:p>
+            <a:r>
+              <a:rPr lang="ko-KR" altLang="en-US" dirty="0"/>
+              <a:t>논리적 설계 </a:t>
+            </a:r>
+            <a:r>
+              <a:rPr lang="en-US" altLang="ko-KR" dirty="0"/>
+              <a:t>- </a:t>
+            </a:r>
+            <a:r>
+              <a:rPr lang="ko-KR" altLang="en-US" dirty="0" err="1"/>
+              <a:t>정규화수행</a:t>
+            </a:r>
+            <a:endParaRPr lang="ko-KR" altLang="en-US" dirty="0"/>
+          </a:p>
+        </p:txBody>
+      </p:sp>
+      <p:sp>
+        <p:nvSpPr>
+          <p:cNvPr id="3" name="내용 개체 틀 2">
+            <a:extLst>
+              <a:ext uri="{FF2B5EF4-FFF2-40B4-BE49-F238E27FC236}">
+                <a16:creationId xmlns:a16="http://schemas.microsoft.com/office/drawing/2014/main" id="{BC3F9F15-4884-484C-89FF-C712EB05D083}"/>
+              </a:ext>
+            </a:extLst>
+          </p:cNvPr>
+          <p:cNvSpPr>
+            <a:spLocks noGrp="1"/>
+          </p:cNvSpPr>
+          <p:nvPr>
+            <p:ph idx="1"/>
+          </p:nvPr>
+        </p:nvSpPr>
+        <p:spPr/>
+        <p:txBody>
+          <a:bodyPr/>
+          <a:lstStyle/>
+          <a:p>
+            <a:r>
+              <a:rPr lang="en-US" altLang="ko-KR" dirty="0"/>
+              <a:t>1~7</a:t>
+            </a:r>
+            <a:r>
+              <a:rPr lang="ko-KR" altLang="en-US" dirty="0"/>
+              <a:t>단계수행하고 완성된 </a:t>
+            </a:r>
+            <a:r>
+              <a:rPr lang="en-US" altLang="ko-KR" dirty="0"/>
+              <a:t>DB</a:t>
+            </a:r>
+            <a:r>
+              <a:rPr lang="ko-KR" altLang="en-US" dirty="0"/>
+              <a:t>모델 설명</a:t>
+            </a:r>
+          </a:p>
+        </p:txBody>
+      </p:sp>
+    </p:spTree>
+    <p:extLst>
+      <p:ext uri="{BB962C8B-B14F-4D97-AF65-F5344CB8AC3E}">
+        <p14:creationId xmlns:p14="http://schemas.microsoft.com/office/powerpoint/2010/main" val="2652431413"/>
+      </p:ext>
+    </p:extLst>
+  </p:cSld>
+  <p:clrMapOvr>
+    <a:masterClrMapping/>
+  </p:clrMapOvr>
+</p:sld>
+</file>
+
 <file path=ppt/slides/slide2.xml><?xml version="1.0" encoding="utf-8"?>
 <p:sld xmlns:a="http://schemas.openxmlformats.org/drawingml/2006/main" xmlns:r="http://schemas.openxmlformats.org/officeDocument/2006/relationships" xmlns:p="http://schemas.openxmlformats.org/presentationml/2006/main">
   <p:cSld>
@@ -3524,6 +5092,278 @@
     <p:extLst>
       <p:ext uri="{BB962C8B-B14F-4D97-AF65-F5344CB8AC3E}">
         <p14:creationId xmlns:p14="http://schemas.microsoft.com/office/powerpoint/2010/main" val="4148867473"/>
+      </p:ext>
+    </p:extLst>
+  </p:cSld>
+  <p:clrMapOvr>
+    <a:masterClrMapping/>
+  </p:clrMapOvr>
+</p:sld>
+</file>
+
+<file path=ppt/slides/slide20.xml><?xml version="1.0" encoding="utf-8"?>
+<p:sld xmlns:a="http://schemas.openxmlformats.org/drawingml/2006/main" xmlns:r="http://schemas.openxmlformats.org/officeDocument/2006/relationships" xmlns:p="http://schemas.openxmlformats.org/presentationml/2006/main">
+  <p:cSld>
+    <p:spTree>
+      <p:nvGrpSpPr>
+        <p:cNvPr id="1" name=""/>
+        <p:cNvGrpSpPr/>
+        <p:nvPr/>
+      </p:nvGrpSpPr>
+      <p:grpSpPr>
+        <a:xfrm>
+          <a:off x="0" y="0"/>
+          <a:ext cx="0" cy="0"/>
+          <a:chOff x="0" y="0"/>
+          <a:chExt cx="0" cy="0"/>
+        </a:xfrm>
+      </p:grpSpPr>
+      <p:sp>
+        <p:nvSpPr>
+          <p:cNvPr id="2" name="제목 1">
+            <a:extLst>
+              <a:ext uri="{FF2B5EF4-FFF2-40B4-BE49-F238E27FC236}">
+                <a16:creationId xmlns:a16="http://schemas.microsoft.com/office/drawing/2014/main" id="{715DD75F-D2BF-46A8-9015-254EE085CC6E}"/>
+              </a:ext>
+            </a:extLst>
+          </p:cNvPr>
+          <p:cNvSpPr>
+            <a:spLocks noGrp="1"/>
+          </p:cNvSpPr>
+          <p:nvPr>
+            <p:ph type="title"/>
+          </p:nvPr>
+        </p:nvSpPr>
+        <p:spPr/>
+        <p:txBody>
+          <a:bodyPr>
+            <a:normAutofit/>
+          </a:bodyPr>
+          <a:lstStyle/>
+          <a:p>
+            <a:r>
+              <a:rPr lang="ko-KR" altLang="en-US" dirty="0"/>
+              <a:t>물리적 설계</a:t>
+            </a:r>
+            <a:r>
+              <a:rPr lang="en-US" altLang="ko-KR" sz="1100" b="0" i="0" dirty="0">
+                <a:solidFill>
+                  <a:srgbClr val="555555"/>
+                </a:solidFill>
+                <a:effectLst/>
+                <a:latin typeface="Roboto" panose="02000000000000000000" pitchFamily="2" charset="0"/>
+              </a:rPr>
+              <a:t>– </a:t>
+            </a:r>
+            <a:r>
+              <a:rPr lang="ko-KR" altLang="en-US" sz="1100" b="0" i="0" dirty="0">
+                <a:solidFill>
+                  <a:srgbClr val="555555"/>
+                </a:solidFill>
+                <a:effectLst/>
+                <a:latin typeface="Roboto" panose="02000000000000000000" pitchFamily="2" charset="0"/>
+              </a:rPr>
+              <a:t>데이터베이스 스키마 물리 설계</a:t>
+            </a:r>
+            <a:r>
+              <a:rPr lang="en-US" altLang="ko-KR" sz="1100" b="0" i="0" dirty="0">
+                <a:solidFill>
+                  <a:srgbClr val="555555"/>
+                </a:solidFill>
+                <a:effectLst/>
+                <a:latin typeface="Roboto" panose="02000000000000000000" pitchFamily="2" charset="0"/>
+              </a:rPr>
+              <a:t>– </a:t>
+            </a:r>
+            <a:r>
+              <a:rPr lang="ko-KR" altLang="en-US" sz="1100" b="0" i="0" dirty="0">
+                <a:solidFill>
+                  <a:srgbClr val="555555"/>
+                </a:solidFill>
+                <a:effectLst/>
+                <a:latin typeface="Roboto" panose="02000000000000000000" pitchFamily="2" charset="0"/>
+              </a:rPr>
+              <a:t>사용할 </a:t>
+            </a:r>
+            <a:r>
+              <a:rPr lang="en-US" altLang="ko-KR" sz="1100" b="0" i="0" dirty="0">
+                <a:solidFill>
+                  <a:srgbClr val="555555"/>
+                </a:solidFill>
+                <a:effectLst/>
+                <a:latin typeface="Roboto" panose="02000000000000000000" pitchFamily="2" charset="0"/>
+              </a:rPr>
+              <a:t>DBMS, </a:t>
+            </a:r>
+            <a:r>
+              <a:rPr lang="ko-KR" altLang="en-US" sz="1100" b="0" i="0" dirty="0">
+                <a:solidFill>
+                  <a:srgbClr val="555555"/>
+                </a:solidFill>
+                <a:effectLst/>
+                <a:latin typeface="Roboto" panose="02000000000000000000" pitchFamily="2" charset="0"/>
+              </a:rPr>
+              <a:t>데이터 타입</a:t>
+            </a:r>
+            <a:r>
+              <a:rPr lang="en-US" altLang="ko-KR" sz="1100" b="0" i="0" dirty="0">
+                <a:solidFill>
+                  <a:srgbClr val="555555"/>
+                </a:solidFill>
+                <a:effectLst/>
+                <a:latin typeface="Roboto" panose="02000000000000000000" pitchFamily="2" charset="0"/>
+              </a:rPr>
+              <a:t>, </a:t>
+            </a:r>
+            <a:r>
+              <a:rPr lang="ko-KR" altLang="en-US" sz="1100" b="0" i="0" dirty="0">
+                <a:solidFill>
+                  <a:srgbClr val="555555"/>
+                </a:solidFill>
+                <a:effectLst/>
+                <a:latin typeface="Roboto" panose="02000000000000000000" pitchFamily="2" charset="0"/>
+              </a:rPr>
+              <a:t>크기 선정</a:t>
+            </a:r>
+            <a:r>
+              <a:rPr lang="en-US" altLang="ko-KR" sz="1100" b="0" i="0" dirty="0">
+                <a:solidFill>
+                  <a:srgbClr val="555555"/>
+                </a:solidFill>
+                <a:effectLst/>
+                <a:latin typeface="Roboto" panose="02000000000000000000" pitchFamily="2" charset="0"/>
+              </a:rPr>
+              <a:t>– </a:t>
+            </a:r>
+            <a:r>
+              <a:rPr lang="ko-KR" altLang="en-US" sz="1100" b="0" i="0" dirty="0">
+                <a:solidFill>
+                  <a:srgbClr val="555555"/>
+                </a:solidFill>
+                <a:effectLst/>
+                <a:latin typeface="Roboto" panose="02000000000000000000" pitchFamily="2" charset="0"/>
+              </a:rPr>
+              <a:t>데이터 사용량 분석</a:t>
+            </a:r>
+            <a:r>
+              <a:rPr lang="en-US" altLang="ko-KR" sz="1100" b="0" i="0" dirty="0">
+                <a:solidFill>
+                  <a:srgbClr val="555555"/>
+                </a:solidFill>
+                <a:effectLst/>
+                <a:latin typeface="Roboto" panose="02000000000000000000" pitchFamily="2" charset="0"/>
+              </a:rPr>
+              <a:t>, </a:t>
+            </a:r>
+            <a:r>
+              <a:rPr lang="ko-KR" altLang="en-US" sz="1100" b="0" i="0" dirty="0">
+                <a:solidFill>
+                  <a:srgbClr val="555555"/>
+                </a:solidFill>
+                <a:effectLst/>
+                <a:latin typeface="Roboto" panose="02000000000000000000" pitchFamily="2" charset="0"/>
+              </a:rPr>
+              <a:t>비</a:t>
+            </a:r>
+            <a:r>
+              <a:rPr lang="en-US" altLang="ko-KR" sz="1100" b="0" i="0" dirty="0">
+                <a:solidFill>
+                  <a:srgbClr val="555555"/>
+                </a:solidFill>
+                <a:effectLst/>
+                <a:latin typeface="Roboto" panose="02000000000000000000" pitchFamily="2" charset="0"/>
+              </a:rPr>
+              <a:t>(</a:t>
+            </a:r>
+            <a:r>
+              <a:rPr lang="ko-KR" altLang="en-US" sz="1100" b="0" i="0" dirty="0">
+                <a:solidFill>
+                  <a:srgbClr val="555555"/>
+                </a:solidFill>
+                <a:effectLst/>
+                <a:latin typeface="Roboto" panose="02000000000000000000" pitchFamily="2" charset="0"/>
+              </a:rPr>
+              <a:t>반</a:t>
+            </a:r>
+            <a:r>
+              <a:rPr lang="en-US" altLang="ko-KR" sz="1100" b="0" i="0" dirty="0">
+                <a:solidFill>
+                  <a:srgbClr val="555555"/>
+                </a:solidFill>
+                <a:effectLst/>
+                <a:latin typeface="Roboto" panose="02000000000000000000" pitchFamily="2" charset="0"/>
+              </a:rPr>
+              <a:t>) </a:t>
+            </a:r>
+            <a:r>
+              <a:rPr lang="ko-KR" altLang="en-US" sz="1100" b="0" i="0" dirty="0">
+                <a:solidFill>
+                  <a:srgbClr val="555555"/>
+                </a:solidFill>
+                <a:effectLst/>
+                <a:latin typeface="Roboto" panose="02000000000000000000" pitchFamily="2" charset="0"/>
+              </a:rPr>
+              <a:t>정규화</a:t>
+            </a:r>
+            <a:endParaRPr lang="ko-KR" altLang="en-US" sz="1100" dirty="0"/>
+          </a:p>
+        </p:txBody>
+      </p:sp>
+      <p:sp>
+        <p:nvSpPr>
+          <p:cNvPr id="3" name="내용 개체 틀 2">
+            <a:extLst>
+              <a:ext uri="{FF2B5EF4-FFF2-40B4-BE49-F238E27FC236}">
+                <a16:creationId xmlns:a16="http://schemas.microsoft.com/office/drawing/2014/main" id="{BC3F9F15-4884-484C-89FF-C712EB05D083}"/>
+              </a:ext>
+            </a:extLst>
+          </p:cNvPr>
+          <p:cNvSpPr>
+            <a:spLocks noGrp="1"/>
+          </p:cNvSpPr>
+          <p:nvPr>
+            <p:ph idx="1"/>
+          </p:nvPr>
+        </p:nvSpPr>
+        <p:spPr/>
+        <p:txBody>
+          <a:bodyPr/>
+          <a:lstStyle/>
+          <a:p>
+            <a:r>
+              <a:rPr lang="ko-KR" altLang="en-US" dirty="0"/>
+              <a:t>추가한 뷰와 세발표기법 </a:t>
+            </a:r>
+            <a:r>
+              <a:rPr lang="ko-KR" altLang="en-US" dirty="0" err="1"/>
+              <a:t>구현한거</a:t>
+            </a:r>
+            <a:r>
+              <a:rPr lang="ko-KR" altLang="en-US" dirty="0"/>
+              <a:t> 설명하고 </a:t>
+            </a:r>
+            <a:endParaRPr lang="en-US" altLang="ko-KR" dirty="0"/>
+          </a:p>
+          <a:p>
+            <a:r>
+              <a:rPr lang="ko-KR" altLang="en-US" dirty="0" err="1"/>
+              <a:t>엔티티정의서와</a:t>
+            </a:r>
+            <a:endParaRPr lang="en-US" altLang="ko-KR" dirty="0"/>
+          </a:p>
+          <a:p>
+            <a:r>
+              <a:rPr lang="ko-KR" altLang="en-US"/>
+              <a:t>도메인 속성 정의서 설명하기</a:t>
+            </a:r>
+            <a:endParaRPr lang="en-US" altLang="ko-KR"/>
+          </a:p>
+        </p:txBody>
+      </p:sp>
+    </p:spTree>
+    <p:extLst>
+      <p:ext uri="{BB962C8B-B14F-4D97-AF65-F5344CB8AC3E}">
+        <p14:creationId xmlns:p14="http://schemas.microsoft.com/office/powerpoint/2010/main" val="3694819056"/>
       </p:ext>
     </p:extLst>
   </p:cSld>
@@ -3596,9 +5436,326 @@
         </p:nvSpPr>
         <p:spPr/>
         <p:txBody>
-          <a:bodyPr/>
-          <a:lstStyle/>
-          <a:p>
+          <a:bodyPr numCol="1">
+            <a:normAutofit fontScale="62500" lnSpcReduction="20000"/>
+          </a:bodyPr>
+          <a:lstStyle/>
+          <a:p>
+            <a:pPr marL="0" indent="0">
+              <a:buNone/>
+            </a:pPr>
+            <a:r>
+              <a:rPr lang="ko-KR" altLang="en-US" dirty="0"/>
+              <a:t> </a:t>
+            </a:r>
+            <a:r>
+              <a:rPr lang="en-US" altLang="ko-KR" dirty="0"/>
+              <a:t>'DEJH' </a:t>
+            </a:r>
+            <a:r>
+              <a:rPr lang="ko-KR" altLang="en-US" dirty="0"/>
+              <a:t>회사는 </a:t>
+            </a:r>
+            <a:r>
+              <a:rPr lang="en-US" altLang="ko-KR" dirty="0"/>
+              <a:t>UOS</a:t>
+            </a:r>
+            <a:r>
+              <a:rPr lang="ko-KR" altLang="en-US" dirty="0"/>
+              <a:t>의 </a:t>
+            </a:r>
+            <a:r>
+              <a:rPr lang="ko-KR" altLang="en-US" dirty="0" err="1"/>
+              <a:t>멀티플렉스</a:t>
+            </a:r>
+            <a:r>
+              <a:rPr lang="ko-KR" altLang="en-US" dirty="0"/>
+              <a:t> 영화관 체인이다</a:t>
+            </a:r>
+            <a:r>
+              <a:rPr lang="en-US" altLang="ko-KR" dirty="0"/>
+              <a:t>.</a:t>
+            </a:r>
+          </a:p>
+          <a:p>
+            <a:pPr marL="0" indent="0">
+              <a:buNone/>
+            </a:pPr>
+            <a:r>
+              <a:rPr lang="en-US" altLang="ko-KR" dirty="0"/>
+              <a:t>    </a:t>
+            </a:r>
+            <a:r>
+              <a:rPr lang="ko-KR" altLang="en-US" dirty="0"/>
+              <a:t>온라인으로만 예매시스템과 결제시스템을 제공한다</a:t>
+            </a:r>
+            <a:r>
+              <a:rPr lang="en-US" altLang="ko-KR" dirty="0"/>
+              <a:t>.</a:t>
+            </a:r>
+          </a:p>
+          <a:p>
+            <a:pPr marL="0" indent="0">
+              <a:buNone/>
+            </a:pPr>
+            <a:r>
+              <a:rPr lang="en-US" altLang="ko-KR" dirty="0"/>
+              <a:t>    (</a:t>
+            </a:r>
+            <a:r>
+              <a:rPr lang="ko-KR" altLang="en-US" dirty="0"/>
+              <a:t>온라인 시스템이므로 결제방식 중 현장결제</a:t>
+            </a:r>
+            <a:r>
+              <a:rPr lang="en-US" altLang="ko-KR" dirty="0"/>
+              <a:t>, </a:t>
+            </a:r>
+            <a:r>
+              <a:rPr lang="ko-KR" altLang="en-US" dirty="0"/>
+              <a:t>현금결제은 제외한다</a:t>
+            </a:r>
+            <a:r>
+              <a:rPr lang="en-US" altLang="ko-KR" dirty="0"/>
+              <a:t>.)</a:t>
+            </a:r>
+          </a:p>
+          <a:p>
+            <a:pPr marL="0" indent="0">
+              <a:buNone/>
+            </a:pPr>
+            <a:r>
+              <a:rPr lang="ko-KR" altLang="en-US" dirty="0"/>
+              <a:t>관객수만큼 </a:t>
+            </a:r>
+            <a:r>
+              <a:rPr lang="ko-KR" altLang="en-US" dirty="0" err="1"/>
+              <a:t>잔여좌석중</a:t>
+            </a:r>
+            <a:r>
+              <a:rPr lang="ko-KR" altLang="en-US" dirty="0"/>
+              <a:t> 원하는 좌석을 선택한다</a:t>
+            </a:r>
+            <a:r>
+              <a:rPr lang="en-US" altLang="ko-KR" dirty="0"/>
+              <a:t>.</a:t>
+            </a:r>
+          </a:p>
+          <a:p>
+            <a:pPr marL="0" indent="0">
+              <a:buNone/>
+            </a:pPr>
+            <a:endParaRPr lang="en-US" altLang="ko-KR" dirty="0"/>
+          </a:p>
+          <a:p>
+            <a:pPr marL="0" indent="0">
+              <a:buNone/>
+            </a:pPr>
+            <a:r>
+              <a:rPr lang="en-US" altLang="ko-KR" dirty="0"/>
+              <a:t>    </a:t>
+            </a:r>
+            <a:r>
+              <a:rPr lang="ko-KR" altLang="en-US" dirty="0"/>
+              <a:t>위의 예매정보를 토대로 결제를 진행한다</a:t>
+            </a:r>
+            <a:r>
+              <a:rPr lang="en-US" altLang="ko-KR" dirty="0"/>
+              <a:t>.</a:t>
+            </a:r>
+          </a:p>
+          <a:p>
+            <a:pPr marL="0" indent="0">
+              <a:buNone/>
+            </a:pPr>
+            <a:r>
+              <a:rPr lang="en-US" altLang="ko-KR" dirty="0"/>
+              <a:t>    </a:t>
+            </a:r>
+            <a:r>
+              <a:rPr lang="ko-KR" altLang="en-US" dirty="0"/>
+              <a:t>카드</a:t>
+            </a:r>
+            <a:r>
+              <a:rPr lang="en-US" altLang="ko-KR" dirty="0"/>
+              <a:t>, </a:t>
+            </a:r>
+            <a:r>
+              <a:rPr lang="ko-KR" altLang="en-US" dirty="0"/>
+              <a:t>무통장입금</a:t>
+            </a:r>
+            <a:r>
+              <a:rPr lang="en-US" altLang="ko-KR" dirty="0"/>
+              <a:t>, </a:t>
+            </a:r>
+            <a:r>
+              <a:rPr lang="ko-KR" altLang="en-US" dirty="0"/>
+              <a:t>인터넷결제 중 결제방법을 선택한다</a:t>
+            </a:r>
+            <a:r>
+              <a:rPr lang="en-US" altLang="ko-KR" dirty="0"/>
+              <a:t>.</a:t>
+            </a:r>
+          </a:p>
+          <a:p>
+            <a:pPr marL="0" indent="0">
+              <a:buNone/>
+            </a:pPr>
+            <a:r>
+              <a:rPr lang="en-US" altLang="ko-KR" dirty="0"/>
+              <a:t>    </a:t>
+            </a:r>
+            <a:r>
+              <a:rPr lang="ko-KR" altLang="en-US" dirty="0"/>
+              <a:t>결제자가 시청가능한 영화인지 확인하여 결제를 </a:t>
+            </a:r>
+            <a:r>
+              <a:rPr lang="ko-KR" altLang="en-US" dirty="0" err="1"/>
+              <a:t>진행할지말지</a:t>
+            </a:r>
+            <a:r>
+              <a:rPr lang="ko-KR" altLang="en-US" dirty="0"/>
+              <a:t> 결정한다</a:t>
+            </a:r>
+            <a:r>
+              <a:rPr lang="en-US" altLang="ko-KR" dirty="0"/>
+              <a:t>.</a:t>
+            </a:r>
+          </a:p>
+          <a:p>
+            <a:pPr marL="0" indent="0">
+              <a:buNone/>
+            </a:pPr>
+            <a:r>
+              <a:rPr lang="en-US" altLang="ko-KR" dirty="0"/>
+              <a:t>    </a:t>
+            </a:r>
+            <a:r>
+              <a:rPr lang="ko-KR" altLang="en-US" dirty="0"/>
+              <a:t>결제자가 회원이면 포인트를 적립하거나 소모할 수 있다</a:t>
+            </a:r>
+            <a:r>
+              <a:rPr lang="en-US" altLang="ko-KR" dirty="0"/>
+              <a:t>. </a:t>
+            </a:r>
+          </a:p>
+          <a:p>
+            <a:pPr marL="0" indent="0">
+              <a:buNone/>
+            </a:pPr>
+            <a:r>
+              <a:rPr lang="en-US" altLang="ko-KR" dirty="0"/>
+              <a:t>    </a:t>
+            </a:r>
+            <a:r>
+              <a:rPr lang="ko-KR" altLang="en-US" dirty="0"/>
+              <a:t>결제를 완료하면 티켓과 결제정보내역을 </a:t>
+            </a:r>
+            <a:r>
+              <a:rPr lang="ko-KR" altLang="en-US" dirty="0" err="1"/>
+              <a:t>확인가능하다</a:t>
+            </a:r>
+            <a:r>
+              <a:rPr lang="en-US" altLang="ko-KR" dirty="0"/>
+              <a:t>. </a:t>
+            </a:r>
+          </a:p>
+          <a:p>
+            <a:pPr marL="0" indent="0">
+              <a:buNone/>
+            </a:pPr>
+            <a:r>
+              <a:rPr lang="en-US" altLang="ko-KR" dirty="0"/>
+              <a:t>        </a:t>
+            </a:r>
+            <a:r>
+              <a:rPr lang="ko-KR" altLang="en-US" dirty="0"/>
+              <a:t>영화상영전까지 결제 확인 및 취소를 진행할 수 있다</a:t>
+            </a:r>
+            <a:r>
+              <a:rPr lang="en-US" altLang="ko-KR" dirty="0"/>
+              <a:t>. </a:t>
+            </a:r>
+            <a:r>
+              <a:rPr lang="ko-KR" altLang="en-US" dirty="0"/>
+              <a:t>취소할 경우 활용된 포인트 철회한다</a:t>
+            </a:r>
+            <a:r>
+              <a:rPr lang="en-US" altLang="ko-KR" dirty="0"/>
+              <a:t>.</a:t>
+            </a:r>
+          </a:p>
+          <a:p>
+            <a:pPr marL="0" indent="0">
+              <a:buNone/>
+            </a:pPr>
+            <a:r>
+              <a:rPr lang="en-US" altLang="ko-KR" dirty="0"/>
+              <a:t>        </a:t>
+            </a:r>
+            <a:r>
+              <a:rPr lang="ko-KR" altLang="en-US" dirty="0"/>
+              <a:t>티켓정보는 영화 제목</a:t>
+            </a:r>
+            <a:r>
+              <a:rPr lang="en-US" altLang="ko-KR" dirty="0"/>
+              <a:t>, </a:t>
+            </a:r>
+            <a:r>
+              <a:rPr lang="ko-KR" altLang="en-US" dirty="0"/>
+              <a:t>영화 시청등급</a:t>
+            </a:r>
+            <a:r>
+              <a:rPr lang="en-US" altLang="ko-KR" dirty="0"/>
+              <a:t>, </a:t>
+            </a:r>
+            <a:r>
+              <a:rPr lang="ko-KR" altLang="en-US" dirty="0"/>
+              <a:t>지역</a:t>
+            </a:r>
+            <a:r>
+              <a:rPr lang="en-US" altLang="ko-KR" dirty="0"/>
+              <a:t>, </a:t>
+            </a:r>
+            <a:r>
+              <a:rPr lang="ko-KR" altLang="en-US" dirty="0"/>
+              <a:t>영화관</a:t>
+            </a:r>
+            <a:r>
+              <a:rPr lang="en-US" altLang="ko-KR" dirty="0"/>
+              <a:t>, </a:t>
+            </a:r>
+            <a:r>
+              <a:rPr lang="ko-KR" altLang="en-US" dirty="0"/>
+              <a:t>상영관</a:t>
+            </a:r>
+            <a:r>
+              <a:rPr lang="en-US" altLang="ko-KR" dirty="0"/>
+              <a:t>, </a:t>
+            </a:r>
+            <a:r>
+              <a:rPr lang="ko-KR" altLang="en-US" dirty="0"/>
+              <a:t>상영일자와 상영시각</a:t>
+            </a:r>
+            <a:r>
+              <a:rPr lang="en-US" altLang="ko-KR" dirty="0"/>
+              <a:t>, </a:t>
+            </a:r>
+            <a:r>
+              <a:rPr lang="ko-KR" altLang="en-US" dirty="0"/>
+              <a:t>관객종류에 따른 관객수와</a:t>
+            </a:r>
+            <a:r>
+              <a:rPr lang="en-US" altLang="ko-KR" dirty="0"/>
+              <a:t>, </a:t>
+            </a:r>
+            <a:r>
+              <a:rPr lang="ko-KR" altLang="en-US" dirty="0"/>
+              <a:t>지정한 좌석번호를 확인할 수 있다</a:t>
+            </a:r>
+            <a:r>
+              <a:rPr lang="en-US" altLang="ko-KR" dirty="0"/>
+              <a:t>.</a:t>
+            </a:r>
             <a:endParaRPr lang="ko-KR" altLang="en-US" dirty="0"/>
           </a:p>
         </p:txBody>
@@ -3656,13 +5813,8 @@
           <a:p>
             <a:r>
               <a:rPr lang="ko-KR" altLang="en-US" dirty="0"/>
-              <a:t>개념적 설계 </a:t>
-            </a:r>
-            <a:r>
-              <a:rPr lang="en-US" altLang="ko-KR" dirty="0"/>
-              <a:t>- ERD</a:t>
-            </a:r>
-            <a:endParaRPr lang="ko-KR" altLang="en-US" dirty="0"/>
+              <a:t>요구사항명세서</a:t>
+            </a:r>
           </a:p>
         </p:txBody>
       </p:sp>
@@ -3682,61 +5834,263 @@
             <p:ph idx="1"/>
           </p:nvPr>
         </p:nvSpPr>
-        <p:spPr/>
-        <p:txBody>
-          <a:bodyPr/>
-          <a:lstStyle/>
-          <a:p>
-            <a:r>
-              <a:rPr lang="ko-KR" altLang="en-US" dirty="0"/>
-              <a:t>요구사항명세서를 기준으로 작성한 </a:t>
-            </a:r>
-            <a:r>
-              <a:rPr lang="en-US" altLang="ko-KR" dirty="0" err="1"/>
-              <a:t>erd</a:t>
-            </a:r>
-            <a:r>
-              <a:rPr lang="en-US" altLang="ko-KR" dirty="0"/>
+        <p:spPr>
+          <a:xfrm>
+            <a:off x="856658" y="1816198"/>
+            <a:ext cx="10832579" cy="4351338"/>
+          </a:xfrm>
+        </p:spPr>
+        <p:txBody>
+          <a:bodyPr>
+            <a:normAutofit/>
+          </a:bodyPr>
+          <a:lstStyle/>
+          <a:p>
+            <a:pPr marL="0" indent="0">
+              <a:buNone/>
+            </a:pPr>
+            <a:r>
+              <a:rPr lang="en-US" altLang="ko-KR" dirty="0"/>
+              <a:t> DEJH</a:t>
+            </a:r>
+            <a:r>
+              <a:rPr lang="ko-KR" altLang="en-US" dirty="0"/>
+              <a:t>를 이용하는 사용자는 회원과 비회원</a:t>
+            </a:r>
+            <a:r>
+              <a:rPr lang="en-US" altLang="ko-KR" dirty="0"/>
+              <a:t>, </a:t>
+            </a:r>
+            <a:r>
+              <a:rPr lang="ko-KR" altLang="en-US" dirty="0"/>
+              <a:t>관리자가 존재한다</a:t>
+            </a:r>
+            <a:r>
+              <a:rPr lang="en-US" altLang="ko-KR" dirty="0"/>
+              <a:t>.</a:t>
+            </a:r>
+          </a:p>
+          <a:p>
+            <a:pPr marL="0" indent="0">
+              <a:buNone/>
+            </a:pPr>
+            <a:r>
+              <a:rPr lang="en-US" altLang="ko-KR" dirty="0"/>
+              <a:t>    </a:t>
+            </a:r>
+            <a:r>
+              <a:rPr lang="ko-KR" altLang="en-US" dirty="0"/>
+              <a:t>회원은 아이디와 비밀번호</a:t>
+            </a:r>
+            <a:r>
+              <a:rPr lang="en-US" altLang="ko-KR" dirty="0"/>
+              <a:t>, </a:t>
+            </a:r>
+            <a:r>
+              <a:rPr lang="ko-KR" altLang="en-US" dirty="0"/>
+              <a:t>이름</a:t>
+            </a:r>
+            <a:r>
+              <a:rPr lang="en-US" altLang="ko-KR" dirty="0"/>
+              <a:t>, </a:t>
+            </a:r>
+            <a:r>
+              <a:rPr lang="ko-KR" altLang="en-US" dirty="0"/>
+              <a:t>이메일</a:t>
+            </a:r>
+            <a:r>
+              <a:rPr lang="en-US" altLang="ko-KR" dirty="0"/>
+              <a:t>, </a:t>
+            </a:r>
+            <a:r>
+              <a:rPr lang="ko-KR" altLang="en-US" dirty="0"/>
+              <a:t>전화번호</a:t>
+            </a:r>
+            <a:r>
+              <a:rPr lang="en-US" altLang="ko-KR" dirty="0"/>
+              <a:t>, </a:t>
+            </a:r>
+            <a:r>
+              <a:rPr lang="ko-KR" altLang="en-US" dirty="0"/>
+              <a:t>생년월일을 입력하고</a:t>
+            </a:r>
+            <a:r>
+              <a:rPr lang="en-US" altLang="ko-KR" dirty="0"/>
+              <a:t>, </a:t>
+            </a:r>
+            <a:r>
+              <a:rPr lang="ko-KR" altLang="en-US" dirty="0"/>
+              <a:t>자동으로 </a:t>
+            </a:r>
+            <a:r>
+              <a:rPr lang="ko-KR" altLang="en-US" dirty="0" err="1"/>
+              <a:t>본인인증되며</a:t>
+            </a:r>
+            <a:r>
+              <a:rPr lang="ko-KR" altLang="en-US" dirty="0"/>
               <a:t> </a:t>
             </a:r>
             <a:r>
-              <a:rPr lang="ko-KR" altLang="en-US" dirty="0"/>
-              <a:t>설명하기</a:t>
-            </a:r>
-            <a:endParaRPr lang="en-US" altLang="ko-KR" dirty="0"/>
-          </a:p>
-          <a:p>
-            <a:r>
-              <a:rPr lang="ko-KR" altLang="en-US" dirty="0"/>
-              <a:t>마지막에 </a:t>
-            </a:r>
-            <a:r>
               <a:rPr lang="ko-KR" altLang="en-US" dirty="0" err="1"/>
-              <a:t>완성되</a:t>
-            </a:r>
-            <a:r>
-              <a:rPr lang="ko-KR" altLang="en-US" dirty="0"/>
-              <a:t> 피터 첸 </a:t>
-            </a:r>
-            <a:r>
-              <a:rPr lang="en-US" altLang="ko-KR" dirty="0" err="1"/>
-              <a:t>erd</a:t>
-            </a:r>
-            <a:r>
-              <a:rPr lang="en-US" altLang="ko-KR" dirty="0"/>
-              <a:t> </a:t>
-            </a:r>
-            <a:r>
-              <a:rPr lang="ko-KR" altLang="en-US" dirty="0"/>
-              <a:t>붙여넣기</a:t>
-            </a:r>
-          </a:p>
-        </p:txBody>
-      </p:sp>
+              <a:t>회원가입된</a:t>
+            </a:r>
+            <a:r>
+              <a:rPr lang="ko-KR" altLang="en-US" dirty="0"/>
+              <a:t> 사용자이다</a:t>
+            </a:r>
+            <a:r>
+              <a:rPr lang="en-US" altLang="ko-KR" dirty="0"/>
+              <a:t>. </a:t>
+            </a:r>
+            <a:r>
+              <a:rPr lang="ko-KR" altLang="en-US" dirty="0"/>
+              <a:t>포인트 점수를 누적할 수 있다</a:t>
+            </a:r>
+            <a:r>
+              <a:rPr lang="en-US" altLang="ko-KR" dirty="0"/>
+              <a:t>.</a:t>
+            </a:r>
+          </a:p>
+          <a:p>
+            <a:pPr marL="0" indent="0">
+              <a:buNone/>
+            </a:pPr>
+            <a:r>
+              <a:rPr lang="en-US" altLang="ko-KR" dirty="0"/>
+              <a:t>    </a:t>
+            </a:r>
+            <a:r>
+              <a:rPr lang="ko-KR" altLang="en-US" dirty="0"/>
+              <a:t>비회원은 임시비밀번호</a:t>
+            </a:r>
+            <a:r>
+              <a:rPr lang="en-US" altLang="ko-KR" dirty="0"/>
+              <a:t>, </a:t>
+            </a:r>
+            <a:r>
+              <a:rPr lang="ko-KR" altLang="en-US" dirty="0"/>
+              <a:t>이름</a:t>
+            </a:r>
+            <a:r>
+              <a:rPr lang="en-US" altLang="ko-KR" dirty="0"/>
+              <a:t>, </a:t>
+            </a:r>
+            <a:r>
+              <a:rPr lang="ko-KR" altLang="en-US" dirty="0"/>
+              <a:t>전화번호</a:t>
+            </a:r>
+            <a:r>
+              <a:rPr lang="en-US" altLang="ko-KR" dirty="0"/>
+              <a:t>, </a:t>
+            </a:r>
+            <a:r>
+              <a:rPr lang="ko-KR" altLang="en-US" dirty="0"/>
+              <a:t>생년월일을 입력하고 </a:t>
+            </a:r>
+            <a:r>
+              <a:rPr lang="ko-KR" altLang="en-US" dirty="0" err="1"/>
+              <a:t>본인인증되며</a:t>
+            </a:r>
+            <a:r>
+              <a:rPr lang="en-US" altLang="ko-KR" dirty="0"/>
+              <a:t>, </a:t>
+            </a:r>
+            <a:r>
+              <a:rPr lang="ko-KR" altLang="en-US" dirty="0" err="1"/>
+              <a:t>임시아이디와</a:t>
+            </a:r>
+            <a:r>
+              <a:rPr lang="ko-KR" altLang="en-US" dirty="0"/>
+              <a:t> 임시비밀번호를 </a:t>
+            </a:r>
+            <a:r>
+              <a:rPr lang="ko-KR" altLang="en-US" dirty="0" err="1"/>
+              <a:t>부여받은</a:t>
+            </a:r>
+            <a:r>
+              <a:rPr lang="ko-KR" altLang="en-US" dirty="0"/>
+              <a:t> 사용자이다</a:t>
+            </a:r>
+            <a:r>
+              <a:rPr lang="en-US" altLang="ko-KR" dirty="0"/>
+              <a:t>. </a:t>
+            </a:r>
+            <a:r>
+              <a:rPr lang="ko-KR" altLang="en-US" dirty="0"/>
+              <a:t>포인트 점수를 누적할 수 없다</a:t>
+            </a:r>
+            <a:r>
+              <a:rPr lang="en-US" altLang="ko-KR" dirty="0"/>
+              <a:t>.</a:t>
+            </a:r>
+          </a:p>
+          <a:p>
+            <a:pPr marL="0" indent="0">
+              <a:buNone/>
+            </a:pPr>
+            <a:r>
+              <a:rPr lang="en-US" altLang="ko-KR" dirty="0"/>
+              <a:t>    </a:t>
+            </a:r>
+            <a:r>
+              <a:rPr lang="ko-KR" altLang="en-US" dirty="0"/>
+              <a:t>관리자는 영화와 상영일정을 등록하는 사용자이다</a:t>
+            </a:r>
+            <a:r>
+              <a:rPr lang="en-US" altLang="ko-KR" dirty="0"/>
+              <a:t>. (</a:t>
+            </a:r>
+            <a:r>
+              <a:rPr lang="ko-KR" altLang="en-US" dirty="0"/>
+              <a:t>지정된 사용자</a:t>
+            </a:r>
+            <a:r>
+              <a:rPr lang="en-US" altLang="ko-KR" dirty="0"/>
+              <a:t>)</a:t>
+            </a:r>
+          </a:p>
+        </p:txBody>
+      </p:sp>
+      <p:pic>
+        <p:nvPicPr>
+          <p:cNvPr id="6" name="그림 5">
+            <a:extLst>
+              <a:ext uri="{FF2B5EF4-FFF2-40B4-BE49-F238E27FC236}">
+                <a16:creationId xmlns:a16="http://schemas.microsoft.com/office/drawing/2014/main" id="{84DD41C9-21E6-4D37-87EB-E2C799AE4C84}"/>
+              </a:ext>
+            </a:extLst>
+          </p:cNvPr>
+          <p:cNvPicPr>
+            <a:picLocks noChangeAspect="1"/>
+          </p:cNvPicPr>
+          <p:nvPr/>
+        </p:nvPicPr>
+        <p:blipFill>
+          <a:blip r:embed="rId2">
+            <a:extLst>
+              <a:ext uri="{28A0092B-C50C-407E-A947-70E740481C1C}">
+                <a14:useLocalDpi xmlns:a14="http://schemas.microsoft.com/office/drawing/2010/main" val="0"/>
+              </a:ext>
+            </a:extLst>
+          </a:blip>
+          <a:stretch>
+            <a:fillRect/>
+          </a:stretch>
+        </p:blipFill>
+        <p:spPr>
+          <a:xfrm>
+            <a:off x="9954851" y="260873"/>
+            <a:ext cx="1970486" cy="1681049"/>
+          </a:xfrm>
+          <a:prstGeom prst="rect">
+            <a:avLst/>
+          </a:prstGeom>
+        </p:spPr>
+      </p:pic>
     </p:spTree>
     <p:extLst>
       <p:ext uri="{BB962C8B-B14F-4D97-AF65-F5344CB8AC3E}">
-        <p14:creationId xmlns:p14="http://schemas.microsoft.com/office/powerpoint/2010/main" val="4094471651"/>
+        <p14:creationId xmlns:p14="http://schemas.microsoft.com/office/powerpoint/2010/main" val="897243859"/>
       </p:ext>
     </p:extLst>
   </p:cSld>
@@ -3786,64 +6140,440 @@
           <a:p>
             <a:r>
               <a:rPr lang="ko-KR" altLang="en-US" dirty="0"/>
-              <a:t>논리적 설계 </a:t>
-            </a:r>
-            <a:r>
-              <a:rPr lang="en-US" altLang="ko-KR" dirty="0"/>
-              <a:t>- </a:t>
+              <a:t>요구사항명세서</a:t>
+            </a:r>
+          </a:p>
+        </p:txBody>
+      </p:sp>
+      <p:sp>
+        <p:nvSpPr>
+          <p:cNvPr id="3" name="내용 개체 틀 2">
+            <a:extLst>
+              <a:ext uri="{FF2B5EF4-FFF2-40B4-BE49-F238E27FC236}">
+                <a16:creationId xmlns:a16="http://schemas.microsoft.com/office/drawing/2014/main" id="{BC3F9F15-4884-484C-89FF-C712EB05D083}"/>
+              </a:ext>
+            </a:extLst>
+          </p:cNvPr>
+          <p:cNvSpPr>
+            <a:spLocks noGrp="1"/>
+          </p:cNvSpPr>
+          <p:nvPr>
+            <p:ph idx="1"/>
+          </p:nvPr>
+        </p:nvSpPr>
+        <p:spPr/>
+        <p:txBody>
+          <a:bodyPr>
+            <a:normAutofit fontScale="70000" lnSpcReduction="20000"/>
+          </a:bodyPr>
+          <a:lstStyle/>
+          <a:p>
+            <a:pPr marL="0" indent="0">
+              <a:buNone/>
+            </a:pPr>
+            <a:r>
+              <a:rPr lang="en-US" altLang="ko-KR" dirty="0"/>
+              <a:t>UOS</a:t>
+            </a:r>
+            <a:r>
+              <a:rPr lang="ko-KR" altLang="en-US" dirty="0"/>
+              <a:t>의 지역은 </a:t>
             </a:r>
             <a:r>
               <a:rPr lang="ko-KR" altLang="en-US" dirty="0" err="1"/>
-              <a:t>정규화수행</a:t>
-            </a:r>
+              <a:t>정문통학마을</a:t>
+            </a:r>
+            <a:r>
+              <a:rPr lang="en-US" altLang="ko-KR" dirty="0"/>
+              <a:t>, </a:t>
+            </a:r>
+            <a:r>
+              <a:rPr lang="ko-KR" altLang="en-US" dirty="0" err="1"/>
+              <a:t>학식러버마을</a:t>
+            </a:r>
+            <a:r>
+              <a:rPr lang="en-US" altLang="ko-KR" dirty="0"/>
+              <a:t>, </a:t>
+            </a:r>
+            <a:r>
+              <a:rPr lang="ko-KR" altLang="en-US" dirty="0" err="1"/>
+              <a:t>후문자취마을</a:t>
+            </a:r>
+            <a:r>
+              <a:rPr lang="en-US" altLang="ko-KR" dirty="0"/>
+              <a:t>, </a:t>
+            </a:r>
+            <a:r>
+              <a:rPr lang="ko-KR" altLang="en-US" dirty="0" err="1"/>
+              <a:t>하늘연못마을</a:t>
+            </a:r>
+            <a:r>
+              <a:rPr lang="en-US" altLang="ko-KR" dirty="0"/>
+              <a:t>, </a:t>
+            </a:r>
+            <a:r>
+              <a:rPr lang="ko-KR" altLang="en-US" dirty="0"/>
+              <a:t>쪽운동장마을 크게 </a:t>
+            </a:r>
+            <a:r>
+              <a:rPr lang="en-US" altLang="ko-KR" dirty="0"/>
+              <a:t>6</a:t>
+            </a:r>
+            <a:r>
+              <a:rPr lang="ko-KR" altLang="en-US" dirty="0"/>
+              <a:t>곳으로 나뉜다</a:t>
+            </a:r>
+            <a:r>
+              <a:rPr lang="en-US" altLang="ko-KR" dirty="0"/>
+              <a:t>.</a:t>
+            </a:r>
+          </a:p>
+          <a:p>
+            <a:pPr marL="0" indent="0">
+              <a:buNone/>
+            </a:pPr>
+            <a:endParaRPr lang="en-US" altLang="ko-KR" dirty="0"/>
+          </a:p>
+          <a:p>
+            <a:pPr marL="0" indent="0">
+              <a:buNone/>
+            </a:pPr>
+            <a:r>
+              <a:rPr lang="en-US" altLang="ko-KR" dirty="0"/>
+              <a:t>    </a:t>
+            </a:r>
+            <a:r>
+              <a:rPr lang="ko-KR" altLang="en-US" dirty="0" err="1"/>
+              <a:t>정문통학마을에</a:t>
+            </a:r>
+            <a:r>
+              <a:rPr lang="ko-KR" altLang="en-US" dirty="0"/>
+              <a:t> 전농관</a:t>
+            </a:r>
+            <a:r>
+              <a:rPr lang="en-US" altLang="ko-KR" dirty="0"/>
+              <a:t>, </a:t>
+            </a:r>
+            <a:r>
+              <a:rPr lang="ko-KR" altLang="en-US" dirty="0"/>
+              <a:t>자작마루</a:t>
+            </a:r>
+            <a:r>
+              <a:rPr lang="en-US" altLang="ko-KR" dirty="0"/>
+              <a:t>, </a:t>
+            </a:r>
+            <a:r>
+              <a:rPr lang="ko-KR" altLang="en-US" dirty="0"/>
+              <a:t>건설공학관</a:t>
+            </a:r>
+            <a:r>
+              <a:rPr lang="en-US" altLang="ko-KR" dirty="0"/>
+              <a:t>(</a:t>
+            </a:r>
+            <a:r>
+              <a:rPr lang="ko-KR" altLang="en-US" dirty="0" err="1"/>
+              <a:t>건공관</a:t>
+            </a:r>
+            <a:r>
+              <a:rPr lang="en-US" altLang="ko-KR" dirty="0"/>
+              <a:t>)</a:t>
+            </a:r>
+            <a:r>
+              <a:rPr lang="ko-KR" altLang="en-US" dirty="0"/>
+              <a:t>과 같이 </a:t>
+            </a:r>
+            <a:r>
+              <a:rPr lang="en-US" altLang="ko-KR" dirty="0"/>
+              <a:t>3</a:t>
+            </a:r>
+            <a:r>
+              <a:rPr lang="ko-KR" altLang="en-US" dirty="0"/>
+              <a:t>개 영화관이 존재하고</a:t>
+            </a:r>
+            <a:r>
+              <a:rPr lang="en-US" altLang="ko-KR" dirty="0"/>
+              <a:t>,</a:t>
+            </a:r>
+          </a:p>
+          <a:p>
+            <a:pPr marL="0" indent="0">
+              <a:buNone/>
+            </a:pPr>
+            <a:r>
+              <a:rPr lang="en-US" altLang="ko-KR" dirty="0"/>
+              <a:t>    </a:t>
+            </a:r>
+            <a:r>
+              <a:rPr lang="ko-KR" altLang="en-US" dirty="0" err="1"/>
+              <a:t>학식러버마을에</a:t>
+            </a:r>
+            <a:r>
+              <a:rPr lang="ko-KR" altLang="en-US" dirty="0"/>
+              <a:t> 학생회관</a:t>
+            </a:r>
+            <a:r>
+              <a:rPr lang="en-US" altLang="ko-KR" dirty="0"/>
+              <a:t>(</a:t>
+            </a:r>
+            <a:r>
+              <a:rPr lang="ko-KR" altLang="en-US" dirty="0"/>
+              <a:t>학관</a:t>
+            </a:r>
+            <a:r>
+              <a:rPr lang="en-US" altLang="ko-KR" dirty="0"/>
+              <a:t>), 21</a:t>
+            </a:r>
+            <a:r>
+              <a:rPr lang="ko-KR" altLang="en-US" dirty="0"/>
+              <a:t>세기관</a:t>
+            </a:r>
+            <a:r>
+              <a:rPr lang="en-US" altLang="ko-KR" dirty="0"/>
+              <a:t>(21</a:t>
+            </a:r>
+            <a:r>
+              <a:rPr lang="ko-KR" altLang="en-US" dirty="0"/>
+              <a:t>관</a:t>
+            </a:r>
+            <a:r>
+              <a:rPr lang="en-US" altLang="ko-KR" dirty="0"/>
+              <a:t>), </a:t>
+            </a:r>
+            <a:r>
+              <a:rPr lang="ko-KR" altLang="en-US" dirty="0"/>
+              <a:t>자연과학관</a:t>
+            </a:r>
+            <a:r>
+              <a:rPr lang="en-US" altLang="ko-KR" dirty="0"/>
+              <a:t>(</a:t>
+            </a:r>
+            <a:r>
+              <a:rPr lang="ko-KR" altLang="en-US" dirty="0"/>
+              <a:t>자과관</a:t>
+            </a:r>
+            <a:r>
+              <a:rPr lang="en-US" altLang="ko-KR" dirty="0"/>
+              <a:t>)</a:t>
+            </a:r>
+            <a:r>
+              <a:rPr lang="ko-KR" altLang="en-US" dirty="0"/>
+              <a:t>과 같이 </a:t>
+            </a:r>
+            <a:r>
+              <a:rPr lang="en-US" altLang="ko-KR" dirty="0"/>
+              <a:t>3</a:t>
+            </a:r>
+            <a:r>
+              <a:rPr lang="ko-KR" altLang="en-US" dirty="0"/>
+              <a:t>개 영화관이 존재하고</a:t>
+            </a:r>
+            <a:r>
+              <a:rPr lang="en-US" altLang="ko-KR" dirty="0"/>
+              <a:t>, </a:t>
+            </a:r>
+          </a:p>
+          <a:p>
+            <a:pPr marL="0" indent="0">
+              <a:buNone/>
+            </a:pPr>
+            <a:r>
+              <a:rPr lang="en-US" altLang="ko-KR" dirty="0"/>
+              <a:t>    </a:t>
+            </a:r>
+            <a:r>
+              <a:rPr lang="ko-KR" altLang="en-US" dirty="0" err="1"/>
+              <a:t>후문자취마을에</a:t>
+            </a:r>
+            <a:r>
+              <a:rPr lang="ko-KR" altLang="en-US" dirty="0"/>
+              <a:t> 창공관</a:t>
+            </a:r>
+            <a:r>
+              <a:rPr lang="en-US" altLang="ko-KR" dirty="0"/>
+              <a:t>, </a:t>
+            </a:r>
+            <a:r>
+              <a:rPr lang="ko-KR" altLang="en-US" dirty="0" err="1"/>
+              <a:t>배봉관과</a:t>
+            </a:r>
+            <a:r>
+              <a:rPr lang="ko-KR" altLang="en-US" dirty="0"/>
+              <a:t> 같이 </a:t>
+            </a:r>
+            <a:r>
+              <a:rPr lang="en-US" altLang="ko-KR" dirty="0"/>
+              <a:t>2</a:t>
+            </a:r>
+            <a:r>
+              <a:rPr lang="ko-KR" altLang="en-US" dirty="0"/>
+              <a:t>개 영화관이 존재하고</a:t>
+            </a:r>
+            <a:r>
+              <a:rPr lang="en-US" altLang="ko-KR" dirty="0"/>
+              <a:t>,</a:t>
+            </a:r>
+          </a:p>
+          <a:p>
+            <a:pPr marL="0" indent="0">
+              <a:buNone/>
+            </a:pPr>
+            <a:r>
+              <a:rPr lang="en-US" altLang="ko-KR" dirty="0"/>
+              <a:t>    </a:t>
+            </a:r>
+            <a:r>
+              <a:rPr lang="ko-KR" altLang="en-US" dirty="0" err="1"/>
+              <a:t>하늘연못마을에</a:t>
+            </a:r>
+            <a:r>
+              <a:rPr lang="ko-KR" altLang="en-US" dirty="0"/>
+              <a:t> 정보기술관</a:t>
+            </a:r>
+            <a:r>
+              <a:rPr lang="en-US" altLang="ko-KR" dirty="0"/>
+              <a:t>(</a:t>
+            </a:r>
+            <a:r>
+              <a:rPr lang="ko-KR" altLang="en-US" dirty="0"/>
+              <a:t>정기관</a:t>
+            </a:r>
+            <a:r>
+              <a:rPr lang="en-US" altLang="ko-KR" dirty="0"/>
+              <a:t>), </a:t>
+            </a:r>
+            <a:r>
+              <a:rPr lang="ko-KR" altLang="en-US" dirty="0"/>
+              <a:t>인문학관</a:t>
+            </a:r>
+            <a:r>
+              <a:rPr lang="en-US" altLang="ko-KR" dirty="0"/>
+              <a:t>, </a:t>
+            </a:r>
+            <a:r>
+              <a:rPr lang="ko-KR" altLang="en-US" dirty="0"/>
+              <a:t>음악관과 같이 </a:t>
+            </a:r>
+            <a:r>
+              <a:rPr lang="en-US" altLang="ko-KR" dirty="0"/>
+              <a:t>3</a:t>
+            </a:r>
+            <a:r>
+              <a:rPr lang="ko-KR" altLang="en-US" dirty="0"/>
+              <a:t>개의 영화관이 존재하고</a:t>
+            </a:r>
+            <a:r>
+              <a:rPr lang="en-US" altLang="ko-KR" dirty="0"/>
+              <a:t>,</a:t>
+            </a:r>
+          </a:p>
+          <a:p>
+            <a:pPr marL="0" indent="0">
+              <a:buNone/>
+            </a:pPr>
+            <a:r>
+              <a:rPr lang="en-US" altLang="ko-KR" dirty="0"/>
+              <a:t>    </a:t>
+            </a:r>
+            <a:r>
+              <a:rPr lang="ko-KR" altLang="en-US" dirty="0"/>
+              <a:t>쪽운동장마을에 과학기술관</a:t>
+            </a:r>
+            <a:r>
+              <a:rPr lang="en-US" altLang="ko-KR" dirty="0"/>
+              <a:t>(</a:t>
+            </a:r>
+            <a:r>
+              <a:rPr lang="ko-KR" altLang="en-US" dirty="0"/>
+              <a:t>과기관</a:t>
+            </a:r>
+            <a:r>
+              <a:rPr lang="en-US" altLang="ko-KR" dirty="0"/>
+              <a:t>), </a:t>
+            </a:r>
+            <a:r>
+              <a:rPr lang="ko-KR" altLang="en-US" dirty="0"/>
+              <a:t>미래관</a:t>
+            </a:r>
+            <a:r>
+              <a:rPr lang="en-US" altLang="ko-KR" dirty="0"/>
+              <a:t>, 100</a:t>
+            </a:r>
+            <a:r>
+              <a:rPr lang="ko-KR" altLang="en-US" dirty="0" err="1"/>
+              <a:t>주년기념관</a:t>
+            </a:r>
+            <a:r>
+              <a:rPr lang="en-US" altLang="ko-KR" dirty="0"/>
+              <a:t>(100</a:t>
+            </a:r>
+            <a:r>
+              <a:rPr lang="ko-KR" altLang="en-US" dirty="0"/>
+              <a:t>기관</a:t>
+            </a:r>
+            <a:r>
+              <a:rPr lang="en-US" altLang="ko-KR" dirty="0"/>
+              <a:t>)</a:t>
+            </a:r>
+            <a:r>
+              <a:rPr lang="ko-KR" altLang="en-US" dirty="0"/>
+              <a:t>과 같이 </a:t>
+            </a:r>
+            <a:r>
+              <a:rPr lang="en-US" altLang="ko-KR" dirty="0"/>
+              <a:t>3</a:t>
+            </a:r>
+            <a:r>
+              <a:rPr lang="ko-KR" altLang="en-US" dirty="0"/>
+              <a:t>개의 영화관이 존재한다</a:t>
+            </a:r>
+            <a:r>
+              <a:rPr lang="en-US" altLang="ko-KR" dirty="0"/>
+              <a:t>.</a:t>
+            </a:r>
+          </a:p>
+          <a:p>
+            <a:pPr marL="0" indent="0">
+              <a:buNone/>
+            </a:pPr>
+            <a:endParaRPr lang="en-US" altLang="ko-KR" dirty="0"/>
+          </a:p>
+          <a:p>
+            <a:pPr marL="0" indent="0">
+              <a:buNone/>
+            </a:pPr>
+            <a:r>
+              <a:rPr lang="en-US" altLang="ko-KR" dirty="0"/>
+              <a:t>    </a:t>
+            </a:r>
+            <a:r>
+              <a:rPr lang="ko-KR" altLang="en-US" dirty="0"/>
+              <a:t>모든 영화관에 각각 </a:t>
+            </a:r>
+            <a:r>
+              <a:rPr lang="en-US" altLang="ko-KR" dirty="0"/>
+              <a:t>10</a:t>
+            </a:r>
+            <a:r>
+              <a:rPr lang="ko-KR" altLang="en-US" dirty="0"/>
+              <a:t>개 상영관이 존재한다</a:t>
+            </a:r>
+            <a:r>
+              <a:rPr lang="en-US" altLang="ko-KR" dirty="0"/>
+              <a:t>. </a:t>
+            </a:r>
+          </a:p>
+          <a:p>
+            <a:pPr marL="0" indent="0">
+              <a:buNone/>
+            </a:pPr>
             <a:endParaRPr lang="ko-KR" altLang="en-US" dirty="0"/>
-          </a:p>
-        </p:txBody>
-      </p:sp>
-      <p:sp>
-        <p:nvSpPr>
-          <p:cNvPr id="3" name="내용 개체 틀 2">
-            <a:extLst>
-              <a:ext uri="{FF2B5EF4-FFF2-40B4-BE49-F238E27FC236}">
-                <a16:creationId xmlns:a16="http://schemas.microsoft.com/office/drawing/2014/main" id="{BC3F9F15-4884-484C-89FF-C712EB05D083}"/>
-              </a:ext>
-            </a:extLst>
-          </p:cNvPr>
-          <p:cNvSpPr>
-            <a:spLocks noGrp="1"/>
-          </p:cNvSpPr>
-          <p:nvPr>
-            <p:ph idx="1"/>
-          </p:nvPr>
-        </p:nvSpPr>
-        <p:spPr/>
-        <p:txBody>
-          <a:bodyPr/>
-          <a:lstStyle/>
-          <a:p>
-            <a:r>
-              <a:rPr lang="en-US" altLang="ko-KR" dirty="0"/>
-              <a:t>1~7</a:t>
-            </a:r>
-            <a:r>
-              <a:rPr lang="ko-KR" altLang="en-US" dirty="0"/>
-              <a:t>단계수행하고 완성된 </a:t>
-            </a:r>
-            <a:r>
-              <a:rPr lang="en-US" altLang="ko-KR" dirty="0"/>
-              <a:t>DB</a:t>
-            </a:r>
-            <a:r>
-              <a:rPr lang="ko-KR" altLang="en-US" dirty="0"/>
-              <a:t>모델 설명</a:t>
-            </a:r>
           </a:p>
         </p:txBody>
       </p:sp>
     </p:spTree>
     <p:extLst>
       <p:ext uri="{BB962C8B-B14F-4D97-AF65-F5344CB8AC3E}">
-        <p14:creationId xmlns:p14="http://schemas.microsoft.com/office/powerpoint/2010/main" val="2652431413"/>
+        <p14:creationId xmlns:p14="http://schemas.microsoft.com/office/powerpoint/2010/main" val="3948818977"/>
       </p:ext>
     </p:extLst>
   </p:cSld>
@@ -3888,234 +6618,738 @@
         </p:nvSpPr>
         <p:spPr/>
         <p:txBody>
+          <a:bodyPr/>
+          <a:lstStyle/>
+          <a:p>
+            <a:r>
+              <a:rPr lang="ko-KR" altLang="en-US" dirty="0"/>
+              <a:t>요구사항명세서</a:t>
+            </a:r>
+          </a:p>
+        </p:txBody>
+      </p:sp>
+      <p:pic>
+        <p:nvPicPr>
+          <p:cNvPr id="6" name="그림 5">
+            <a:extLst>
+              <a:ext uri="{FF2B5EF4-FFF2-40B4-BE49-F238E27FC236}">
+                <a16:creationId xmlns:a16="http://schemas.microsoft.com/office/drawing/2014/main" id="{DAE2BE89-61F8-413E-A5B9-D951A297E7E0}"/>
+              </a:ext>
+            </a:extLst>
+          </p:cNvPr>
+          <p:cNvPicPr>
+            <a:picLocks noChangeAspect="1"/>
+          </p:cNvPicPr>
+          <p:nvPr/>
+        </p:nvPicPr>
+        <p:blipFill>
+          <a:blip r:embed="rId2">
+            <a:extLst>
+              <a:ext uri="{28A0092B-C50C-407E-A947-70E740481C1C}">
+                <a14:useLocalDpi xmlns:a14="http://schemas.microsoft.com/office/drawing/2010/main" val="0"/>
+              </a:ext>
+            </a:extLst>
+          </a:blip>
+          <a:stretch>
+            <a:fillRect/>
+          </a:stretch>
+        </p:blipFill>
+        <p:spPr>
+          <a:xfrm>
+            <a:off x="1229707" y="1933084"/>
+            <a:ext cx="9544050" cy="1257300"/>
+          </a:xfrm>
+          <a:prstGeom prst="rect">
+            <a:avLst/>
+          </a:prstGeom>
+        </p:spPr>
+      </p:pic>
+      <p:pic>
+        <p:nvPicPr>
+          <p:cNvPr id="8" name="그림 7">
+            <a:extLst>
+              <a:ext uri="{FF2B5EF4-FFF2-40B4-BE49-F238E27FC236}">
+                <a16:creationId xmlns:a16="http://schemas.microsoft.com/office/drawing/2014/main" id="{25E1DEE4-297B-4E4F-A3EF-AB6F07DEA2DD}"/>
+              </a:ext>
+            </a:extLst>
+          </p:cNvPr>
+          <p:cNvPicPr>
+            <a:picLocks noChangeAspect="1"/>
+          </p:cNvPicPr>
+          <p:nvPr/>
+        </p:nvPicPr>
+        <p:blipFill>
+          <a:blip r:embed="rId3">
+            <a:extLst>
+              <a:ext uri="{28A0092B-C50C-407E-A947-70E740481C1C}">
+                <a14:useLocalDpi xmlns:a14="http://schemas.microsoft.com/office/drawing/2010/main" val="0"/>
+              </a:ext>
+            </a:extLst>
+          </a:blip>
+          <a:stretch>
+            <a:fillRect/>
+          </a:stretch>
+        </p:blipFill>
+        <p:spPr>
+          <a:xfrm>
+            <a:off x="1229707" y="4379094"/>
+            <a:ext cx="9544050" cy="1304925"/>
+          </a:xfrm>
+          <a:prstGeom prst="rect">
+            <a:avLst/>
+          </a:prstGeom>
+        </p:spPr>
+      </p:pic>
+    </p:spTree>
+    <p:extLst>
+      <p:ext uri="{BB962C8B-B14F-4D97-AF65-F5344CB8AC3E}">
+        <p14:creationId xmlns:p14="http://schemas.microsoft.com/office/powerpoint/2010/main" val="3998351505"/>
+      </p:ext>
+    </p:extLst>
+  </p:cSld>
+  <p:clrMapOvr>
+    <a:masterClrMapping/>
+  </p:clrMapOvr>
+</p:sld>
+</file>
+
+<file path=ppt/slides/slide7.xml><?xml version="1.0" encoding="utf-8"?>
+<p:sld xmlns:a="http://schemas.openxmlformats.org/drawingml/2006/main" xmlns:r="http://schemas.openxmlformats.org/officeDocument/2006/relationships" xmlns:p="http://schemas.openxmlformats.org/presentationml/2006/main">
+  <p:cSld>
+    <p:spTree>
+      <p:nvGrpSpPr>
+        <p:cNvPr id="1" name=""/>
+        <p:cNvGrpSpPr/>
+        <p:nvPr/>
+      </p:nvGrpSpPr>
+      <p:grpSpPr>
+        <a:xfrm>
+          <a:off x="0" y="0"/>
+          <a:ext cx="0" cy="0"/>
+          <a:chOff x="0" y="0"/>
+          <a:chExt cx="0" cy="0"/>
+        </a:xfrm>
+      </p:grpSpPr>
+      <p:sp>
+        <p:nvSpPr>
+          <p:cNvPr id="2" name="제목 1">
+            <a:extLst>
+              <a:ext uri="{FF2B5EF4-FFF2-40B4-BE49-F238E27FC236}">
+                <a16:creationId xmlns:a16="http://schemas.microsoft.com/office/drawing/2014/main" id="{715DD75F-D2BF-46A8-9015-254EE085CC6E}"/>
+              </a:ext>
+            </a:extLst>
+          </p:cNvPr>
+          <p:cNvSpPr>
+            <a:spLocks noGrp="1"/>
+          </p:cNvSpPr>
+          <p:nvPr>
+            <p:ph type="title"/>
+          </p:nvPr>
+        </p:nvSpPr>
+        <p:spPr/>
+        <p:txBody>
+          <a:bodyPr/>
+          <a:lstStyle/>
+          <a:p>
+            <a:r>
+              <a:rPr lang="ko-KR" altLang="en-US" dirty="0"/>
+              <a:t>요구사항명세서</a:t>
+            </a:r>
+          </a:p>
+        </p:txBody>
+      </p:sp>
+      <p:sp>
+        <p:nvSpPr>
+          <p:cNvPr id="3" name="내용 개체 틀 2">
+            <a:extLst>
+              <a:ext uri="{FF2B5EF4-FFF2-40B4-BE49-F238E27FC236}">
+                <a16:creationId xmlns:a16="http://schemas.microsoft.com/office/drawing/2014/main" id="{BC3F9F15-4884-484C-89FF-C712EB05D083}"/>
+              </a:ext>
+            </a:extLst>
+          </p:cNvPr>
+          <p:cNvSpPr>
+            <a:spLocks noGrp="1"/>
+          </p:cNvSpPr>
+          <p:nvPr>
+            <p:ph idx="1"/>
+          </p:nvPr>
+        </p:nvSpPr>
+        <p:spPr/>
+        <p:txBody>
           <a:bodyPr>
             <a:normAutofit/>
           </a:bodyPr>
           <a:lstStyle/>
           <a:p>
-            <a:r>
-              <a:rPr lang="ko-KR" altLang="en-US" dirty="0"/>
-              <a:t>물리적 설계</a:t>
-            </a:r>
-            <a:r>
-              <a:rPr lang="en-US" altLang="ko-KR" sz="1100" b="0" i="0" dirty="0">
-                <a:solidFill>
-                  <a:srgbClr val="555555"/>
-                </a:solidFill>
-                <a:effectLst/>
-                <a:latin typeface="Roboto" panose="02000000000000000000" pitchFamily="2" charset="0"/>
-              </a:rPr>
-              <a:t>– </a:t>
-            </a:r>
-            <a:r>
-              <a:rPr lang="ko-KR" altLang="en-US" sz="1100" b="0" i="0" dirty="0">
-                <a:solidFill>
-                  <a:srgbClr val="555555"/>
-                </a:solidFill>
-                <a:effectLst/>
-                <a:latin typeface="Roboto" panose="02000000000000000000" pitchFamily="2" charset="0"/>
-              </a:rPr>
-              <a:t>데이터베이스 스키마 물리 설계</a:t>
-            </a:r>
-            <a:r>
-              <a:rPr lang="en-US" altLang="ko-KR" sz="1100" b="0" i="0" dirty="0">
-                <a:solidFill>
-                  <a:srgbClr val="555555"/>
-                </a:solidFill>
-                <a:effectLst/>
-                <a:latin typeface="Roboto" panose="02000000000000000000" pitchFamily="2" charset="0"/>
-              </a:rPr>
-              <a:t>– </a:t>
-            </a:r>
-            <a:r>
-              <a:rPr lang="ko-KR" altLang="en-US" sz="1100" b="0" i="0" dirty="0">
-                <a:solidFill>
-                  <a:srgbClr val="555555"/>
-                </a:solidFill>
-                <a:effectLst/>
-                <a:latin typeface="Roboto" panose="02000000000000000000" pitchFamily="2" charset="0"/>
-              </a:rPr>
-              <a:t>사용할 </a:t>
-            </a:r>
-            <a:r>
-              <a:rPr lang="en-US" altLang="ko-KR" sz="1100" b="0" i="0" dirty="0">
-                <a:solidFill>
-                  <a:srgbClr val="555555"/>
-                </a:solidFill>
-                <a:effectLst/>
-                <a:latin typeface="Roboto" panose="02000000000000000000" pitchFamily="2" charset="0"/>
-              </a:rPr>
-              <a:t>DBMS, </a:t>
-            </a:r>
-            <a:r>
-              <a:rPr lang="ko-KR" altLang="en-US" sz="1100" b="0" i="0" dirty="0">
-                <a:solidFill>
-                  <a:srgbClr val="555555"/>
-                </a:solidFill>
-                <a:effectLst/>
-                <a:latin typeface="Roboto" panose="02000000000000000000" pitchFamily="2" charset="0"/>
-              </a:rPr>
-              <a:t>데이터 타입</a:t>
-            </a:r>
-            <a:r>
-              <a:rPr lang="en-US" altLang="ko-KR" sz="1100" b="0" i="0" dirty="0">
-                <a:solidFill>
-                  <a:srgbClr val="555555"/>
-                </a:solidFill>
-                <a:effectLst/>
-                <a:latin typeface="Roboto" panose="02000000000000000000" pitchFamily="2" charset="0"/>
-              </a:rPr>
+            <a:pPr marL="0" indent="0">
+              <a:buNone/>
+            </a:pPr>
+            <a:r>
+              <a:rPr lang="en-US" altLang="ko-KR" dirty="0"/>
+              <a:t> </a:t>
+            </a:r>
+            <a:r>
+              <a:rPr lang="ko-KR" altLang="en-US" dirty="0"/>
+              <a:t>상영관의 상영방식은 </a:t>
+            </a:r>
+            <a:r>
+              <a:rPr lang="en-US" altLang="ko-KR" dirty="0"/>
+              <a:t>2D, 3D, 4DX, SOUNDX </a:t>
+            </a:r>
+            <a:r>
+              <a:rPr lang="ko-KR" altLang="en-US" dirty="0"/>
+              <a:t>과 같이 존재하고</a:t>
+            </a:r>
+            <a:r>
+              <a:rPr lang="en-US" altLang="ko-KR" dirty="0"/>
               <a:t>, </a:t>
             </a:r>
             <a:r>
-              <a:rPr lang="ko-KR" altLang="en-US" sz="1100" b="0" i="0" dirty="0">
-                <a:solidFill>
-                  <a:srgbClr val="555555"/>
-                </a:solidFill>
-                <a:effectLst/>
-                <a:latin typeface="Roboto" panose="02000000000000000000" pitchFamily="2" charset="0"/>
-              </a:rPr>
-              <a:t>크기 선정</a:t>
-            </a:r>
-            <a:r>
-              <a:rPr lang="en-US" altLang="ko-KR" sz="1100" b="0" i="0" dirty="0">
-                <a:solidFill>
-                  <a:srgbClr val="555555"/>
-                </a:solidFill>
-                <a:effectLst/>
-                <a:latin typeface="Roboto" panose="02000000000000000000" pitchFamily="2" charset="0"/>
-              </a:rPr>
-              <a:t>– </a:t>
-            </a:r>
-            <a:r>
-              <a:rPr lang="ko-KR" altLang="en-US" sz="1100" b="0" i="0" dirty="0">
-                <a:solidFill>
-                  <a:srgbClr val="555555"/>
-                </a:solidFill>
-                <a:effectLst/>
-                <a:latin typeface="Roboto" panose="02000000000000000000" pitchFamily="2" charset="0"/>
-              </a:rPr>
-              <a:t>데이터 사용량 분석</a:t>
-            </a:r>
-            <a:r>
-              <a:rPr lang="en-US" altLang="ko-KR" sz="1100" b="0" i="0" dirty="0">
-                <a:solidFill>
-                  <a:srgbClr val="555555"/>
-                </a:solidFill>
-                <a:effectLst/>
-                <a:latin typeface="Roboto" panose="02000000000000000000" pitchFamily="2" charset="0"/>
-              </a:rPr>
-              <a:t>, </a:t>
-            </a:r>
-            <a:r>
-              <a:rPr lang="ko-KR" altLang="en-US" sz="1100" b="0" i="0" dirty="0">
-                <a:solidFill>
-                  <a:srgbClr val="555555"/>
-                </a:solidFill>
-                <a:effectLst/>
-                <a:latin typeface="Roboto" panose="02000000000000000000" pitchFamily="2" charset="0"/>
-              </a:rPr>
-              <a:t>비</a:t>
-            </a:r>
-            <a:r>
-              <a:rPr lang="en-US" altLang="ko-KR" sz="1100" b="0" i="0" dirty="0">
-                <a:solidFill>
-                  <a:srgbClr val="555555"/>
-                </a:solidFill>
-                <a:effectLst/>
-                <a:latin typeface="Roboto" panose="02000000000000000000" pitchFamily="2" charset="0"/>
-              </a:rPr>
-              <a:t>(</a:t>
-            </a:r>
-            <a:r>
-              <a:rPr lang="ko-KR" altLang="en-US" sz="1100" b="0" i="0" dirty="0">
-                <a:solidFill>
-                  <a:srgbClr val="555555"/>
-                </a:solidFill>
-                <a:effectLst/>
-                <a:latin typeface="Roboto" panose="02000000000000000000" pitchFamily="2" charset="0"/>
-              </a:rPr>
-              <a:t>반</a:t>
-            </a:r>
-            <a:r>
-              <a:rPr lang="en-US" altLang="ko-KR" sz="1100" b="0" i="0" dirty="0">
-                <a:solidFill>
-                  <a:srgbClr val="555555"/>
-                </a:solidFill>
-                <a:effectLst/>
-                <a:latin typeface="Roboto" panose="02000000000000000000" pitchFamily="2" charset="0"/>
-              </a:rPr>
-              <a:t>) </a:t>
-            </a:r>
-            <a:r>
-              <a:rPr lang="ko-KR" altLang="en-US" sz="1100" b="0" i="0" dirty="0">
-                <a:solidFill>
-                  <a:srgbClr val="555555"/>
-                </a:solidFill>
-                <a:effectLst/>
-                <a:latin typeface="Roboto" panose="02000000000000000000" pitchFamily="2" charset="0"/>
-              </a:rPr>
-              <a:t>정규화</a:t>
-            </a:r>
-            <a:endParaRPr lang="ko-KR" altLang="en-US" sz="1100" dirty="0"/>
-          </a:p>
-        </p:txBody>
-      </p:sp>
-      <p:sp>
-        <p:nvSpPr>
-          <p:cNvPr id="3" name="내용 개체 틀 2">
-            <a:extLst>
-              <a:ext uri="{FF2B5EF4-FFF2-40B4-BE49-F238E27FC236}">
-                <a16:creationId xmlns:a16="http://schemas.microsoft.com/office/drawing/2014/main" id="{BC3F9F15-4884-484C-89FF-C712EB05D083}"/>
-              </a:ext>
-            </a:extLst>
-          </p:cNvPr>
-          <p:cNvSpPr>
-            <a:spLocks noGrp="1"/>
-          </p:cNvSpPr>
-          <p:nvPr>
-            <p:ph idx="1"/>
-          </p:nvPr>
-        </p:nvSpPr>
-        <p:spPr/>
-        <p:txBody>
-          <a:bodyPr/>
-          <a:lstStyle/>
-          <a:p>
-            <a:r>
-              <a:rPr lang="ko-KR" altLang="en-US" dirty="0"/>
-              <a:t>추가한 뷰와 세발표기법 </a:t>
-            </a:r>
-            <a:r>
-              <a:rPr lang="ko-KR" altLang="en-US" dirty="0" err="1"/>
-              <a:t>구현한거</a:t>
-            </a:r>
-            <a:r>
-              <a:rPr lang="ko-KR" altLang="en-US" dirty="0"/>
-              <a:t> 설명하고 </a:t>
-            </a:r>
-            <a:endParaRPr lang="en-US" altLang="ko-KR" dirty="0"/>
-          </a:p>
-          <a:p>
-            <a:r>
-              <a:rPr lang="ko-KR" altLang="en-US" dirty="0" err="1"/>
-              <a:t>엔티티정의서와</a:t>
-            </a:r>
-            <a:endParaRPr lang="en-US" altLang="ko-KR" dirty="0"/>
-          </a:p>
-          <a:p>
-            <a:r>
-              <a:rPr lang="ko-KR" altLang="en-US"/>
-              <a:t>도메인 속성 정의서 설명하기</a:t>
-            </a:r>
-            <a:endParaRPr lang="en-US" altLang="ko-KR"/>
-          </a:p>
-        </p:txBody>
-      </p:sp>
+              <a:rPr lang="ko-KR" altLang="en-US" dirty="0"/>
+              <a:t>영화관마다 모든 상영방식을 포함하지 않을 수 있다</a:t>
+            </a:r>
+            <a:r>
+              <a:rPr lang="en-US" altLang="ko-KR" dirty="0"/>
+              <a:t>.</a:t>
+            </a:r>
+          </a:p>
+          <a:p>
+            <a:pPr marL="0" indent="0">
+              <a:buNone/>
+            </a:pPr>
+            <a:r>
+              <a:rPr lang="en-US" altLang="ko-KR" dirty="0"/>
+              <a:t>    2D </a:t>
+            </a:r>
+            <a:r>
+              <a:rPr lang="ko-KR" altLang="en-US" dirty="0"/>
+              <a:t>상영방식을 선택하면 인당 </a:t>
+            </a:r>
+            <a:r>
+              <a:rPr lang="en-US" altLang="ko-KR" dirty="0"/>
+              <a:t>10,000</a:t>
+            </a:r>
+            <a:r>
+              <a:rPr lang="ko-KR" altLang="en-US" dirty="0"/>
+              <a:t>원이고</a:t>
+            </a:r>
+            <a:r>
+              <a:rPr lang="en-US" altLang="ko-KR" dirty="0"/>
+              <a:t>,</a:t>
+            </a:r>
+          </a:p>
+          <a:p>
+            <a:pPr marL="0" indent="0">
+              <a:buNone/>
+            </a:pPr>
+            <a:r>
+              <a:rPr lang="en-US" altLang="ko-KR" dirty="0"/>
+              <a:t>    3D </a:t>
+            </a:r>
+            <a:r>
+              <a:rPr lang="ko-KR" altLang="en-US" dirty="0"/>
+              <a:t>상영방식을 선택하면 인당 </a:t>
+            </a:r>
+            <a:r>
+              <a:rPr lang="en-US" altLang="ko-KR" dirty="0"/>
+              <a:t>20,000</a:t>
+            </a:r>
+            <a:r>
+              <a:rPr lang="ko-KR" altLang="en-US" dirty="0"/>
+              <a:t>원이고</a:t>
+            </a:r>
+            <a:r>
+              <a:rPr lang="en-US" altLang="ko-KR" dirty="0"/>
+              <a:t>,</a:t>
+            </a:r>
+          </a:p>
+          <a:p>
+            <a:pPr marL="0" indent="0">
+              <a:buNone/>
+            </a:pPr>
+            <a:r>
+              <a:rPr lang="en-US" altLang="ko-KR" dirty="0"/>
+              <a:t>    4DX </a:t>
+            </a:r>
+            <a:r>
+              <a:rPr lang="ko-KR" altLang="en-US" dirty="0"/>
+              <a:t>상영방식을 선택하면 인당 </a:t>
+            </a:r>
+            <a:r>
+              <a:rPr lang="en-US" altLang="ko-KR" dirty="0"/>
+              <a:t>30,000</a:t>
+            </a:r>
+            <a:r>
+              <a:rPr lang="ko-KR" altLang="en-US" dirty="0"/>
+              <a:t>원이고</a:t>
+            </a:r>
+            <a:r>
+              <a:rPr lang="en-US" altLang="ko-KR" dirty="0"/>
+              <a:t>,</a:t>
+            </a:r>
+          </a:p>
+          <a:p>
+            <a:pPr marL="0" indent="0">
+              <a:buNone/>
+            </a:pPr>
+            <a:r>
+              <a:rPr lang="en-US" altLang="ko-KR" dirty="0"/>
+              <a:t>    SOUNDX </a:t>
+            </a:r>
+            <a:r>
+              <a:rPr lang="ko-KR" altLang="en-US" dirty="0"/>
+              <a:t>상영방식을 선택하면 인당 </a:t>
+            </a:r>
+            <a:r>
+              <a:rPr lang="en-US" altLang="ko-KR" dirty="0"/>
+              <a:t>30,000</a:t>
+            </a:r>
+            <a:r>
+              <a:rPr lang="ko-KR" altLang="en-US" dirty="0"/>
+              <a:t>원이다</a:t>
+            </a:r>
+            <a:r>
+              <a:rPr lang="en-US" altLang="ko-KR" dirty="0"/>
+              <a:t>.</a:t>
+            </a:r>
+            <a:endParaRPr lang="ko-KR" altLang="en-US" dirty="0"/>
+          </a:p>
+        </p:txBody>
+      </p:sp>
+      <p:pic>
+        <p:nvPicPr>
+          <p:cNvPr id="5" name="그림 4">
+            <a:extLst>
+              <a:ext uri="{FF2B5EF4-FFF2-40B4-BE49-F238E27FC236}">
+                <a16:creationId xmlns:a16="http://schemas.microsoft.com/office/drawing/2014/main" id="{7E031879-4C48-437E-9C03-D94122A72DF9}"/>
+              </a:ext>
+            </a:extLst>
+          </p:cNvPr>
+          <p:cNvPicPr>
+            <a:picLocks noChangeAspect="1"/>
+          </p:cNvPicPr>
+          <p:nvPr/>
+        </p:nvPicPr>
+        <p:blipFill>
+          <a:blip r:embed="rId2">
+            <a:extLst>
+              <a:ext uri="{28A0092B-C50C-407E-A947-70E740481C1C}">
+                <a14:useLocalDpi xmlns:a14="http://schemas.microsoft.com/office/drawing/2010/main" val="0"/>
+              </a:ext>
+            </a:extLst>
+          </a:blip>
+          <a:stretch>
+            <a:fillRect/>
+          </a:stretch>
+        </p:blipFill>
+        <p:spPr>
+          <a:xfrm>
+            <a:off x="3336941" y="5187950"/>
+            <a:ext cx="5819775" cy="1304925"/>
+          </a:xfrm>
+          <a:prstGeom prst="rect">
+            <a:avLst/>
+          </a:prstGeom>
+        </p:spPr>
+      </p:pic>
     </p:spTree>
     <p:extLst>
       <p:ext uri="{BB962C8B-B14F-4D97-AF65-F5344CB8AC3E}">
-        <p14:creationId xmlns:p14="http://schemas.microsoft.com/office/powerpoint/2010/main" val="3694819056"/>
+        <p14:creationId xmlns:p14="http://schemas.microsoft.com/office/powerpoint/2010/main" val="892665250"/>
+      </p:ext>
+    </p:extLst>
+  </p:cSld>
+  <p:clrMapOvr>
+    <a:masterClrMapping/>
+  </p:clrMapOvr>
+</p:sld>
+</file>
+
+<file path=ppt/slides/slide8.xml><?xml version="1.0" encoding="utf-8"?>
+<p:sld xmlns:a="http://schemas.openxmlformats.org/drawingml/2006/main" xmlns:r="http://schemas.openxmlformats.org/officeDocument/2006/relationships" xmlns:p="http://schemas.openxmlformats.org/presentationml/2006/main">
+  <p:cSld>
+    <p:spTree>
+      <p:nvGrpSpPr>
+        <p:cNvPr id="1" name=""/>
+        <p:cNvGrpSpPr/>
+        <p:nvPr/>
+      </p:nvGrpSpPr>
+      <p:grpSpPr>
+        <a:xfrm>
+          <a:off x="0" y="0"/>
+          <a:ext cx="0" cy="0"/>
+          <a:chOff x="0" y="0"/>
+          <a:chExt cx="0" cy="0"/>
+        </a:xfrm>
+      </p:grpSpPr>
+      <p:sp>
+        <p:nvSpPr>
+          <p:cNvPr id="2" name="제목 1">
+            <a:extLst>
+              <a:ext uri="{FF2B5EF4-FFF2-40B4-BE49-F238E27FC236}">
+                <a16:creationId xmlns:a16="http://schemas.microsoft.com/office/drawing/2014/main" id="{715DD75F-D2BF-46A8-9015-254EE085CC6E}"/>
+              </a:ext>
+            </a:extLst>
+          </p:cNvPr>
+          <p:cNvSpPr>
+            <a:spLocks noGrp="1"/>
+          </p:cNvSpPr>
+          <p:nvPr>
+            <p:ph type="title"/>
+          </p:nvPr>
+        </p:nvSpPr>
+        <p:spPr/>
+        <p:txBody>
+          <a:bodyPr/>
+          <a:lstStyle/>
+          <a:p>
+            <a:r>
+              <a:rPr lang="ko-KR" altLang="en-US" dirty="0"/>
+              <a:t>요구사항명세서</a:t>
+            </a:r>
+          </a:p>
+        </p:txBody>
+      </p:sp>
+      <p:sp>
+        <p:nvSpPr>
+          <p:cNvPr id="3" name="내용 개체 틀 2">
+            <a:extLst>
+              <a:ext uri="{FF2B5EF4-FFF2-40B4-BE49-F238E27FC236}">
+                <a16:creationId xmlns:a16="http://schemas.microsoft.com/office/drawing/2014/main" id="{BC3F9F15-4884-484C-89FF-C712EB05D083}"/>
+              </a:ext>
+            </a:extLst>
+          </p:cNvPr>
+          <p:cNvSpPr>
+            <a:spLocks noGrp="1"/>
+          </p:cNvSpPr>
+          <p:nvPr>
+            <p:ph idx="1"/>
+          </p:nvPr>
+        </p:nvSpPr>
+        <p:spPr/>
+        <p:txBody>
+          <a:bodyPr/>
+          <a:lstStyle/>
+          <a:p>
+            <a:pPr marL="0" indent="0">
+              <a:buNone/>
+            </a:pPr>
+            <a:r>
+              <a:rPr lang="en-US" altLang="ko-KR" dirty="0"/>
+              <a:t> </a:t>
+            </a:r>
+            <a:r>
+              <a:rPr lang="ko-KR" altLang="en-US" dirty="0"/>
+              <a:t>영화에 대한 제목</a:t>
+            </a:r>
+            <a:r>
+              <a:rPr lang="en-US" altLang="ko-KR" dirty="0"/>
+              <a:t>, </a:t>
+            </a:r>
+            <a:r>
+              <a:rPr lang="ko-KR" altLang="en-US" dirty="0"/>
+              <a:t>개봉일</a:t>
+            </a:r>
+            <a:r>
+              <a:rPr lang="en-US" altLang="ko-KR" dirty="0"/>
+              <a:t>, </a:t>
+            </a:r>
+            <a:r>
+              <a:rPr lang="ko-KR" altLang="en-US" dirty="0"/>
+              <a:t>감독</a:t>
+            </a:r>
+            <a:r>
+              <a:rPr lang="en-US" altLang="ko-KR" dirty="0"/>
+              <a:t>, </a:t>
+            </a:r>
+            <a:r>
+              <a:rPr lang="ko-KR" altLang="en-US" dirty="0"/>
+              <a:t>배우</a:t>
+            </a:r>
+            <a:r>
+              <a:rPr lang="en-US" altLang="ko-KR" dirty="0"/>
+              <a:t>, </a:t>
+            </a:r>
+            <a:r>
+              <a:rPr lang="ko-KR" altLang="en-US" dirty="0"/>
+              <a:t>시청등급</a:t>
+            </a:r>
+            <a:r>
+              <a:rPr lang="en-US" altLang="ko-KR" dirty="0"/>
+              <a:t>, </a:t>
+            </a:r>
+            <a:r>
+              <a:rPr lang="ko-KR" altLang="en-US" dirty="0"/>
+              <a:t>상영시간</a:t>
+            </a:r>
+            <a:r>
+              <a:rPr lang="en-US" altLang="ko-KR" dirty="0"/>
+              <a:t>, </a:t>
+            </a:r>
+            <a:r>
+              <a:rPr lang="ko-KR" altLang="en-US" dirty="0"/>
+              <a:t>장르</a:t>
+            </a:r>
+            <a:r>
+              <a:rPr lang="en-US" altLang="ko-KR" dirty="0"/>
+              <a:t>, </a:t>
+            </a:r>
+            <a:r>
+              <a:rPr lang="ko-KR" altLang="en-US" dirty="0"/>
+              <a:t>줄거리</a:t>
+            </a:r>
+            <a:r>
+              <a:rPr lang="en-US" altLang="ko-KR" dirty="0"/>
+              <a:t>, </a:t>
+            </a:r>
+            <a:r>
+              <a:rPr lang="ko-KR" altLang="en-US" dirty="0"/>
+              <a:t>예고편</a:t>
+            </a:r>
+            <a:r>
+              <a:rPr lang="en-US" altLang="ko-KR" dirty="0"/>
+              <a:t>, </a:t>
+            </a:r>
+            <a:r>
+              <a:rPr lang="ko-KR" altLang="en-US" dirty="0"/>
+              <a:t>포스터 정보를 제공한다</a:t>
+            </a:r>
+            <a:r>
+              <a:rPr lang="en-US" altLang="ko-KR" dirty="0"/>
+              <a:t>.</a:t>
+            </a:r>
+          </a:p>
+          <a:p>
+            <a:pPr marL="0" indent="0">
+              <a:buNone/>
+            </a:pPr>
+            <a:r>
+              <a:rPr lang="en-US" altLang="ko-KR" dirty="0"/>
+              <a:t>  </a:t>
+            </a:r>
+            <a:r>
+              <a:rPr lang="ko-KR" altLang="en-US" dirty="0"/>
+              <a:t>또한 </a:t>
+            </a:r>
+            <a:r>
+              <a:rPr lang="en-US" altLang="ko-KR" dirty="0"/>
+              <a:t>DEJH </a:t>
+            </a:r>
+            <a:r>
+              <a:rPr lang="ko-KR" altLang="en-US" dirty="0"/>
+              <a:t>내에서 상영중인 영화의 예매율과 예매순위를 계산하여 정보를 제공한다</a:t>
+            </a:r>
+            <a:r>
+              <a:rPr lang="en-US" altLang="ko-KR" dirty="0"/>
+              <a:t>.</a:t>
+            </a:r>
+            <a:endParaRPr lang="ko-KR" altLang="en-US" dirty="0"/>
+          </a:p>
+        </p:txBody>
+      </p:sp>
+      <p:pic>
+        <p:nvPicPr>
+          <p:cNvPr id="5" name="그림 4">
+            <a:extLst>
+              <a:ext uri="{FF2B5EF4-FFF2-40B4-BE49-F238E27FC236}">
+                <a16:creationId xmlns:a16="http://schemas.microsoft.com/office/drawing/2014/main" id="{1A0EEA5A-C611-4F4A-9F32-5050878C0AF0}"/>
+              </a:ext>
+            </a:extLst>
+          </p:cNvPr>
+          <p:cNvPicPr>
+            <a:picLocks noChangeAspect="1"/>
+          </p:cNvPicPr>
+          <p:nvPr/>
+        </p:nvPicPr>
+        <p:blipFill>
+          <a:blip r:embed="rId2">
+            <a:extLst>
+              <a:ext uri="{28A0092B-C50C-407E-A947-70E740481C1C}">
+                <a14:useLocalDpi xmlns:a14="http://schemas.microsoft.com/office/drawing/2010/main" val="0"/>
+              </a:ext>
+            </a:extLst>
+          </a:blip>
+          <a:stretch>
+            <a:fillRect/>
+          </a:stretch>
+        </p:blipFill>
+        <p:spPr>
+          <a:xfrm>
+            <a:off x="1543983" y="4001294"/>
+            <a:ext cx="8010525" cy="2105025"/>
+          </a:xfrm>
+          <a:prstGeom prst="rect">
+            <a:avLst/>
+          </a:prstGeom>
+        </p:spPr>
+      </p:pic>
+    </p:spTree>
+    <p:extLst>
+      <p:ext uri="{BB962C8B-B14F-4D97-AF65-F5344CB8AC3E}">
+        <p14:creationId xmlns:p14="http://schemas.microsoft.com/office/powerpoint/2010/main" val="2533746512"/>
+      </p:ext>
+    </p:extLst>
+  </p:cSld>
+  <p:clrMapOvr>
+    <a:masterClrMapping/>
+  </p:clrMapOvr>
+</p:sld>
+</file>
+
+<file path=ppt/slides/slide9.xml><?xml version="1.0" encoding="utf-8"?>
+<p:sld xmlns:a="http://schemas.openxmlformats.org/drawingml/2006/main" xmlns:r="http://schemas.openxmlformats.org/officeDocument/2006/relationships" xmlns:p="http://schemas.openxmlformats.org/presentationml/2006/main">
+  <p:cSld>
+    <p:spTree>
+      <p:nvGrpSpPr>
+        <p:cNvPr id="1" name=""/>
+        <p:cNvGrpSpPr/>
+        <p:nvPr/>
+      </p:nvGrpSpPr>
+      <p:grpSpPr>
+        <a:xfrm>
+          <a:off x="0" y="0"/>
+          <a:ext cx="0" cy="0"/>
+          <a:chOff x="0" y="0"/>
+          <a:chExt cx="0" cy="0"/>
+        </a:xfrm>
+      </p:grpSpPr>
+      <p:sp>
+        <p:nvSpPr>
+          <p:cNvPr id="2" name="제목 1">
+            <a:extLst>
+              <a:ext uri="{FF2B5EF4-FFF2-40B4-BE49-F238E27FC236}">
+                <a16:creationId xmlns:a16="http://schemas.microsoft.com/office/drawing/2014/main" id="{715DD75F-D2BF-46A8-9015-254EE085CC6E}"/>
+              </a:ext>
+            </a:extLst>
+          </p:cNvPr>
+          <p:cNvSpPr>
+            <a:spLocks noGrp="1"/>
+          </p:cNvSpPr>
+          <p:nvPr>
+            <p:ph type="title"/>
+          </p:nvPr>
+        </p:nvSpPr>
+        <p:spPr/>
+        <p:txBody>
+          <a:bodyPr/>
+          <a:lstStyle/>
+          <a:p>
+            <a:r>
+              <a:rPr lang="ko-KR" altLang="en-US" dirty="0"/>
+              <a:t>요구사항명세서</a:t>
+            </a:r>
+          </a:p>
+        </p:txBody>
+      </p:sp>
+      <p:sp>
+        <p:nvSpPr>
+          <p:cNvPr id="3" name="내용 개체 틀 2">
+            <a:extLst>
+              <a:ext uri="{FF2B5EF4-FFF2-40B4-BE49-F238E27FC236}">
+                <a16:creationId xmlns:a16="http://schemas.microsoft.com/office/drawing/2014/main" id="{BC3F9F15-4884-484C-89FF-C712EB05D083}"/>
+              </a:ext>
+            </a:extLst>
+          </p:cNvPr>
+          <p:cNvSpPr>
+            <a:spLocks noGrp="1"/>
+          </p:cNvSpPr>
+          <p:nvPr>
+            <p:ph idx="1"/>
+          </p:nvPr>
+        </p:nvSpPr>
+        <p:spPr/>
+        <p:txBody>
+          <a:bodyPr/>
+          <a:lstStyle/>
+          <a:p>
+            <a:pPr marL="0" indent="0">
+              <a:buNone/>
+            </a:pPr>
+            <a:r>
+              <a:rPr lang="ko-KR" altLang="en-US" dirty="0"/>
+              <a:t>영화가 해당 상영관에 </a:t>
+            </a:r>
+            <a:r>
+              <a:rPr lang="ko-KR" altLang="en-US" dirty="0" err="1"/>
+              <a:t>상영중이면</a:t>
+            </a:r>
+            <a:r>
+              <a:rPr lang="ko-KR" altLang="en-US" dirty="0"/>
+              <a:t> 영화예매가 가능하고</a:t>
+            </a:r>
+            <a:r>
+              <a:rPr lang="en-US" altLang="ko-KR" dirty="0"/>
+              <a:t>, </a:t>
+            </a:r>
+          </a:p>
+          <a:p>
+            <a:pPr marL="0" indent="0">
+              <a:buNone/>
+            </a:pPr>
+            <a:r>
+              <a:rPr lang="en-US" altLang="ko-KR" dirty="0"/>
+              <a:t>    </a:t>
+            </a:r>
+            <a:r>
+              <a:rPr lang="ko-KR" altLang="en-US" dirty="0"/>
+              <a:t>영화가 해당 상영관에 </a:t>
+            </a:r>
+            <a:r>
+              <a:rPr lang="ko-KR" altLang="en-US" dirty="0" err="1"/>
+              <a:t>상영중이지</a:t>
+            </a:r>
+            <a:r>
+              <a:rPr lang="ko-KR" altLang="en-US" dirty="0"/>
+              <a:t> 않으면 영화예매가 불가능하다</a:t>
+            </a:r>
+            <a:r>
+              <a:rPr lang="en-US" altLang="ko-KR" dirty="0"/>
+              <a:t>.</a:t>
+            </a:r>
+            <a:endParaRPr lang="ko-KR" altLang="en-US" dirty="0"/>
+          </a:p>
+        </p:txBody>
+      </p:sp>
+      <p:pic>
+        <p:nvPicPr>
+          <p:cNvPr id="6" name="그림 5">
+            <a:extLst>
+              <a:ext uri="{FF2B5EF4-FFF2-40B4-BE49-F238E27FC236}">
+                <a16:creationId xmlns:a16="http://schemas.microsoft.com/office/drawing/2014/main" id="{39061015-228A-47C1-AA3F-92208B201401}"/>
+              </a:ext>
+            </a:extLst>
+          </p:cNvPr>
+          <p:cNvPicPr>
+            <a:picLocks noChangeAspect="1"/>
+          </p:cNvPicPr>
+          <p:nvPr/>
+        </p:nvPicPr>
+        <p:blipFill>
+          <a:blip r:embed="rId2">
+            <a:extLst>
+              <a:ext uri="{28A0092B-C50C-407E-A947-70E740481C1C}">
+                <a14:useLocalDpi xmlns:a14="http://schemas.microsoft.com/office/drawing/2010/main" val="0"/>
+              </a:ext>
+            </a:extLst>
+          </a:blip>
+          <a:stretch>
+            <a:fillRect/>
+          </a:stretch>
+        </p:blipFill>
+        <p:spPr>
+          <a:xfrm>
+            <a:off x="3235210" y="3605163"/>
+            <a:ext cx="5438775" cy="2400300"/>
+          </a:xfrm>
+          <a:prstGeom prst="rect">
+            <a:avLst/>
+          </a:prstGeom>
+        </p:spPr>
+      </p:pic>
+    </p:spTree>
+    <p:extLst>
+      <p:ext uri="{BB962C8B-B14F-4D97-AF65-F5344CB8AC3E}">
+        <p14:creationId xmlns:p14="http://schemas.microsoft.com/office/powerpoint/2010/main" val="2900928817"/>
       </p:ext>
     </p:extLst>
   </p:cSld>
